--- a/packages/依赖隔离模式/依赖隔离模式.pptx
+++ b/packages/依赖隔离模式/依赖隔离模式.pptx
@@ -5,49 +5,51 @@
     <p:sldMasterId id="2147483648" r:id="rId1"/>
   </p:sldMasterIdLst>
   <p:notesMasterIdLst>
-    <p:notesMasterId r:id="rId34"/>
+    <p:notesMasterId r:id="rId36"/>
   </p:notesMasterIdLst>
   <p:handoutMasterIdLst>
-    <p:handoutMasterId r:id="rId35"/>
+    <p:handoutMasterId r:id="rId37"/>
   </p:handoutMasterIdLst>
   <p:sldIdLst>
     <p:sldId id="307" r:id="rId2"/>
     <p:sldId id="1050" r:id="rId3"/>
     <p:sldId id="1051" r:id="rId4"/>
-    <p:sldId id="1060" r:id="rId5"/>
-    <p:sldId id="1061" r:id="rId6"/>
-    <p:sldId id="1053" r:id="rId7"/>
-    <p:sldId id="980" r:id="rId8"/>
-    <p:sldId id="1057" r:id="rId9"/>
-    <p:sldId id="1059" r:id="rId10"/>
-    <p:sldId id="1054" r:id="rId11"/>
-    <p:sldId id="1062" r:id="rId12"/>
-    <p:sldId id="1055" r:id="rId13"/>
-    <p:sldId id="1063" r:id="rId14"/>
-    <p:sldId id="1056" r:id="rId15"/>
-    <p:sldId id="1064" r:id="rId16"/>
-    <p:sldId id="1067" r:id="rId17"/>
-    <p:sldId id="1069" r:id="rId18"/>
-    <p:sldId id="1068" r:id="rId19"/>
-    <p:sldId id="1070" r:id="rId20"/>
-    <p:sldId id="1071" r:id="rId21"/>
-    <p:sldId id="1074" r:id="rId22"/>
-    <p:sldId id="1073" r:id="rId23"/>
-    <p:sldId id="1072" r:id="rId24"/>
-    <p:sldId id="1075" r:id="rId25"/>
-    <p:sldId id="1076" r:id="rId26"/>
-    <p:sldId id="879" r:id="rId27"/>
-    <p:sldId id="876" r:id="rId28"/>
-    <p:sldId id="881" r:id="rId29"/>
-    <p:sldId id="410" r:id="rId30"/>
-    <p:sldId id="425" r:id="rId31"/>
-    <p:sldId id="885" r:id="rId32"/>
-    <p:sldId id="886" r:id="rId33"/>
+    <p:sldId id="1077" r:id="rId5"/>
+    <p:sldId id="1078" r:id="rId6"/>
+    <p:sldId id="1060" r:id="rId7"/>
+    <p:sldId id="1061" r:id="rId8"/>
+    <p:sldId id="1053" r:id="rId9"/>
+    <p:sldId id="980" r:id="rId10"/>
+    <p:sldId id="1057" r:id="rId11"/>
+    <p:sldId id="1059" r:id="rId12"/>
+    <p:sldId id="1054" r:id="rId13"/>
+    <p:sldId id="1062" r:id="rId14"/>
+    <p:sldId id="1055" r:id="rId15"/>
+    <p:sldId id="1063" r:id="rId16"/>
+    <p:sldId id="1056" r:id="rId17"/>
+    <p:sldId id="1064" r:id="rId18"/>
+    <p:sldId id="1067" r:id="rId19"/>
+    <p:sldId id="1069" r:id="rId20"/>
+    <p:sldId id="1068" r:id="rId21"/>
+    <p:sldId id="1070" r:id="rId22"/>
+    <p:sldId id="1071" r:id="rId23"/>
+    <p:sldId id="1074" r:id="rId24"/>
+    <p:sldId id="1073" r:id="rId25"/>
+    <p:sldId id="1072" r:id="rId26"/>
+    <p:sldId id="1075" r:id="rId27"/>
+    <p:sldId id="1076" r:id="rId28"/>
+    <p:sldId id="879" r:id="rId29"/>
+    <p:sldId id="876" r:id="rId30"/>
+    <p:sldId id="881" r:id="rId31"/>
+    <p:sldId id="410" r:id="rId32"/>
+    <p:sldId id="425" r:id="rId33"/>
+    <p:sldId id="885" r:id="rId34"/>
+    <p:sldId id="886" r:id="rId35"/>
   </p:sldIdLst>
   <p:sldSz cx="12192000" cy="6858000"/>
   <p:notesSz cx="6858000" cy="9144000"/>
   <p:custDataLst>
-    <p:tags r:id="rId36"/>
+    <p:tags r:id="rId38"/>
   </p:custDataLst>
   <p:defaultTextStyle>
     <a:defPPr>
@@ -6620,6 +6622,740 @@
               <a:rPr lang="zh-CN" altLang="en-US" dirty="0">
                 <a:sym typeface="+mn-ea"/>
               </a:rPr>
+              <a:t>主问题：给出直接的解决方案</a:t>
+            </a:r>
+            <a:endParaRPr dirty="0">
+              <a:sym typeface="+mn-ea"/>
+            </a:endParaRPr>
+          </a:p>
+        </p:txBody>
+      </p:sp>
+    </p:spTree>
+    <p:custDataLst>
+      <p:tags r:id="rId1"/>
+    </p:custDataLst>
+    <p:extLst>
+      <p:ext uri="{BB962C8B-B14F-4D97-AF65-F5344CB8AC3E}">
+        <p14:creationId xmlns:p14="http://schemas.microsoft.com/office/powerpoint/2010/main" val="1465866367"/>
+      </p:ext>
+    </p:extLst>
+  </p:cSld>
+  <p:clrMapOvr>
+    <a:masterClrMapping/>
+  </p:clrMapOvr>
+</p:sld>
+</file>
+
+<file path=ppt/slides/slide11.xml><?xml version="1.0" encoding="utf-8"?>
+<p:sld xmlns:a="http://schemas.openxmlformats.org/drawingml/2006/main" xmlns:r="http://schemas.openxmlformats.org/officeDocument/2006/relationships" xmlns:p="http://schemas.openxmlformats.org/presentationml/2006/main">
+  <p:cSld>
+    <p:spTree>
+      <p:nvGrpSpPr>
+        <p:cNvPr id="1" name=""/>
+        <p:cNvGrpSpPr/>
+        <p:nvPr/>
+      </p:nvGrpSpPr>
+      <p:grpSpPr>
+        <a:xfrm>
+          <a:off x="0" y="0"/>
+          <a:ext cx="0" cy="0"/>
+          <a:chOff x="0" y="0"/>
+          <a:chExt cx="0" cy="0"/>
+        </a:xfrm>
+      </p:grpSpPr>
+      <p:sp>
+        <p:nvSpPr>
+          <p:cNvPr id="2" name="标题 1"/>
+          <p:cNvSpPr>
+            <a:spLocks noGrp="1"/>
+          </p:cNvSpPr>
+          <p:nvPr>
+            <p:ph type="title"/>
+          </p:nvPr>
+        </p:nvSpPr>
+        <p:spPr/>
+        <p:txBody>
+          <a:bodyPr/>
+          <a:lstStyle/>
+          <a:p>
+            <a:r>
+              <a:rPr lang="zh-CN" altLang="en-US" dirty="0">
+                <a:sym typeface="+mn-ea"/>
+              </a:rPr>
+              <a:t>主问题：给出直接的解决方案</a:t>
+            </a:r>
+            <a:endParaRPr lang="zh-CN" altLang="en-US" dirty="0"/>
+          </a:p>
+        </p:txBody>
+      </p:sp>
+      <p:sp>
+        <p:nvSpPr>
+          <p:cNvPr id="3" name="内容占位符 2"/>
+          <p:cNvSpPr>
+            <a:spLocks noGrp="1"/>
+          </p:cNvSpPr>
+          <p:nvPr>
+            <p:ph idx="1"/>
+          </p:nvPr>
+        </p:nvSpPr>
+        <p:spPr/>
+        <p:txBody>
+          <a:bodyPr/>
+          <a:lstStyle/>
+          <a:p>
+            <a:r>
+              <a:rPr lang="zh-CN" altLang="en-US" dirty="0">
+                <a:solidFill>
+                  <a:srgbClr val="000000"/>
+                </a:solidFill>
+                <a:latin typeface="verdana" panose="020B0604030504040204" pitchFamily="34" charset="0"/>
+              </a:rPr>
+              <a:t>请</a:t>
+            </a:r>
+            <a:r>
+              <a:rPr lang="zh-CN" altLang="en-US" dirty="0">
+                <a:sym typeface="+mn-ea"/>
+              </a:rPr>
+              <a:t>给出直接的解决方案</a:t>
+            </a:r>
+            <a:r>
+              <a:rPr lang="en-US" altLang="zh-CN" dirty="0">
+                <a:sym typeface="+mn-ea"/>
+              </a:rPr>
+              <a:t>?</a:t>
+            </a:r>
+            <a:endParaRPr lang="en-US" altLang="zh-CN" dirty="0">
+              <a:solidFill>
+                <a:srgbClr val="000000"/>
+              </a:solidFill>
+              <a:latin typeface="verdana" panose="020B0604030504040204" pitchFamily="34" charset="0"/>
+            </a:endParaRPr>
+          </a:p>
+          <a:p>
+            <a:pPr lvl="1"/>
+            <a:r>
+              <a:rPr lang="zh-CN" altLang="en-US" dirty="0">
+                <a:solidFill>
+                  <a:srgbClr val="000000"/>
+                </a:solidFill>
+                <a:latin typeface="verdana" panose="020B0604030504040204" pitchFamily="34" charset="0"/>
+              </a:rPr>
+              <a:t>概述解决方案？</a:t>
+            </a:r>
+            <a:endParaRPr lang="en-US" altLang="zh-CN" dirty="0">
+              <a:solidFill>
+                <a:srgbClr val="000000"/>
+              </a:solidFill>
+              <a:latin typeface="verdana" panose="020B0604030504040204" pitchFamily="34" charset="0"/>
+            </a:endParaRPr>
+          </a:p>
+          <a:p>
+            <a:pPr lvl="1"/>
+            <a:r>
+              <a:rPr lang="zh-CN" altLang="en-US" dirty="0">
+                <a:solidFill>
+                  <a:srgbClr val="000000"/>
+                </a:solidFill>
+                <a:latin typeface="verdana" panose="020B0604030504040204" pitchFamily="34" charset="0"/>
+              </a:rPr>
+              <a:t>给出</a:t>
+            </a:r>
+            <a:r>
+              <a:rPr lang="en-US" altLang="zh-CN" dirty="0">
+                <a:solidFill>
+                  <a:srgbClr val="000000"/>
+                </a:solidFill>
+                <a:latin typeface="verdana" panose="020B0604030504040204" pitchFamily="34" charset="0"/>
+              </a:rPr>
+              <a:t>UML</a:t>
+            </a:r>
+            <a:r>
+              <a:rPr lang="zh-CN" altLang="en-US" dirty="0">
+                <a:solidFill>
+                  <a:srgbClr val="000000"/>
+                </a:solidFill>
+                <a:latin typeface="verdana" panose="020B0604030504040204" pitchFamily="34" charset="0"/>
+              </a:rPr>
+              <a:t>？</a:t>
+            </a:r>
+            <a:endParaRPr lang="en-US" altLang="zh-CN" i="0" dirty="0">
+              <a:solidFill>
+                <a:srgbClr val="000000"/>
+              </a:solidFill>
+              <a:effectLst/>
+              <a:latin typeface="verdana" panose="020B0604030504040204" pitchFamily="34" charset="0"/>
+            </a:endParaRPr>
+          </a:p>
+          <a:p>
+            <a:pPr lvl="1"/>
+            <a:r>
+              <a:rPr lang="zh-CN" altLang="en-US" i="0" dirty="0">
+                <a:solidFill>
+                  <a:srgbClr val="000000"/>
+                </a:solidFill>
+                <a:effectLst/>
+                <a:latin typeface="verdana" panose="020B0604030504040204" pitchFamily="34" charset="0"/>
+              </a:rPr>
+              <a:t>给出代码</a:t>
+            </a:r>
+            <a:r>
+              <a:rPr lang="zh-CN" altLang="en-US" dirty="0">
+                <a:solidFill>
+                  <a:srgbClr val="000000"/>
+                </a:solidFill>
+                <a:latin typeface="verdana" panose="020B0604030504040204" pitchFamily="34" charset="0"/>
+              </a:rPr>
+              <a:t>？</a:t>
+            </a:r>
+            <a:endParaRPr lang="en-US" altLang="zh-CN" i="0" dirty="0">
+              <a:solidFill>
+                <a:srgbClr val="000000"/>
+              </a:solidFill>
+              <a:effectLst/>
+              <a:latin typeface="verdana" panose="020B0604030504040204" pitchFamily="34" charset="0"/>
+            </a:endParaRPr>
+          </a:p>
+          <a:p>
+            <a:pPr lvl="1"/>
+            <a:r>
+              <a:rPr lang="zh-CN" altLang="en-US" dirty="0">
+                <a:solidFill>
+                  <a:srgbClr val="000000"/>
+                </a:solidFill>
+                <a:latin typeface="verdana" panose="020B0604030504040204" pitchFamily="34" charset="0"/>
+              </a:rPr>
+              <a:t>结合</a:t>
+            </a:r>
+            <a:r>
+              <a:rPr lang="en-US" altLang="zh-CN" dirty="0">
+                <a:solidFill>
+                  <a:srgbClr val="000000"/>
+                </a:solidFill>
+                <a:latin typeface="verdana" panose="020B0604030504040204" pitchFamily="34" charset="0"/>
+              </a:rPr>
+              <a:t>UML</a:t>
+            </a:r>
+            <a:r>
+              <a:rPr lang="zh-CN" altLang="en-US" dirty="0">
+                <a:solidFill>
+                  <a:srgbClr val="000000"/>
+                </a:solidFill>
+                <a:latin typeface="verdana" panose="020B0604030504040204" pitchFamily="34" charset="0"/>
+              </a:rPr>
+              <a:t>图，描述如何具体地解决问题？</a:t>
+            </a:r>
+            <a:endParaRPr lang="en-US" altLang="zh-CN" i="0" dirty="0">
+              <a:solidFill>
+                <a:srgbClr val="000000"/>
+              </a:solidFill>
+              <a:effectLst/>
+              <a:latin typeface="verdana" panose="020B0604030504040204" pitchFamily="34" charset="0"/>
+            </a:endParaRPr>
+          </a:p>
+          <a:p>
+            <a:pPr lvl="0"/>
+            <a:endParaRPr lang="en-US" altLang="zh-CN" dirty="0">
+              <a:sym typeface="+mn-ea"/>
+            </a:endParaRPr>
+          </a:p>
+          <a:p>
+            <a:pPr lvl="0"/>
+            <a:r>
+              <a:rPr lang="zh-CN" altLang="en-US" dirty="0">
+                <a:sym typeface="+mn-ea"/>
+              </a:rPr>
+              <a:t>自学、互学、展学</a:t>
+            </a:r>
+            <a:endParaRPr lang="en-US" altLang="zh-CN" i="0" dirty="0">
+              <a:solidFill>
+                <a:srgbClr val="000000"/>
+              </a:solidFill>
+              <a:effectLst/>
+              <a:latin typeface="verdana" panose="020B0604030504040204" pitchFamily="34" charset="0"/>
+            </a:endParaRPr>
+          </a:p>
+          <a:p>
+            <a:pPr lvl="1"/>
+            <a:endParaRPr lang="zh-CN" altLang="en-US" dirty="0"/>
+          </a:p>
+          <a:p>
+            <a:pPr lvl="0"/>
+            <a:endParaRPr lang="zh-CN" altLang="en-US" dirty="0"/>
+          </a:p>
+        </p:txBody>
+      </p:sp>
+      <p:sp>
+        <p:nvSpPr>
+          <p:cNvPr id="4" name="文本框 3">
+            <a:extLst>
+              <a:ext uri="{FF2B5EF4-FFF2-40B4-BE49-F238E27FC236}">
+                <a16:creationId xmlns:a16="http://schemas.microsoft.com/office/drawing/2014/main" id="{D1878CE1-1677-4662-E069-1467CBEEDBE8}"/>
+              </a:ext>
+            </a:extLst>
+          </p:cNvPr>
+          <p:cNvSpPr txBox="1"/>
+          <p:nvPr/>
+        </p:nvSpPr>
+        <p:spPr>
+          <a:xfrm>
+            <a:off x="6585626" y="3429000"/>
+            <a:ext cx="3438762" cy="646331"/>
+          </a:xfrm>
+          <a:prstGeom prst="rect">
+            <a:avLst/>
+          </a:prstGeom>
+          <a:noFill/>
+        </p:spPr>
+        <p:txBody>
+          <a:bodyPr wrap="none" rtlCol="0">
+            <a:spAutoFit/>
+          </a:bodyPr>
+          <a:lstStyle/>
+          <a:p>
+            <a:r>
+              <a:rPr lang="zh-CN" altLang="en-US" b="0" i="0" dirty="0">
+                <a:solidFill>
+                  <a:srgbClr val="333333"/>
+                </a:solidFill>
+                <a:effectLst/>
+                <a:latin typeface="verdana" panose="020B0604030504040204" pitchFamily="34" charset="0"/>
+              </a:rPr>
+              <a:t>如何升级</a:t>
+            </a:r>
+            <a:r>
+              <a:rPr lang="en" altLang="zh-CN" b="0" i="0" dirty="0" err="1">
+                <a:solidFill>
+                  <a:srgbClr val="333333"/>
+                </a:solidFill>
+                <a:effectLst/>
+                <a:latin typeface="verdana" panose="020B0604030504040204" pitchFamily="34" charset="0"/>
+              </a:rPr>
+              <a:t>Three.js</a:t>
+            </a:r>
+            <a:r>
+              <a:rPr lang="zh-CN" altLang="en-US" b="0" i="0" dirty="0">
+                <a:solidFill>
+                  <a:srgbClr val="333333"/>
+                </a:solidFill>
+                <a:effectLst/>
+                <a:latin typeface="verdana" panose="020B0604030504040204" pitchFamily="34" charset="0"/>
+              </a:rPr>
+              <a:t>引擎的版本？</a:t>
+            </a:r>
+            <a:endParaRPr lang="en-US" altLang="zh-CN" b="0" i="0" dirty="0">
+              <a:solidFill>
+                <a:srgbClr val="333333"/>
+              </a:solidFill>
+              <a:effectLst/>
+              <a:latin typeface="verdana" panose="020B0604030504040204" pitchFamily="34" charset="0"/>
+            </a:endParaRPr>
+          </a:p>
+          <a:p>
+            <a:r>
+              <a:rPr lang="zh-CN" altLang="en-US" dirty="0">
+                <a:solidFill>
+                  <a:srgbClr val="333333"/>
+                </a:solidFill>
+                <a:latin typeface="verdana" panose="020B0604030504040204" pitchFamily="34" charset="0"/>
+              </a:rPr>
+              <a:t>如何</a:t>
+            </a:r>
+            <a:r>
+              <a:rPr lang="zh-CN" altLang="en-US" b="0" i="0" dirty="0">
+                <a:solidFill>
+                  <a:srgbClr val="333333"/>
+                </a:solidFill>
+                <a:effectLst/>
+                <a:latin typeface="verdana" panose="020B0604030504040204" pitchFamily="34" charset="0"/>
+              </a:rPr>
+              <a:t>替换为其它的渲染引擎？</a:t>
+            </a:r>
+            <a:endParaRPr lang="en-US" altLang="zh-CN" i="0" dirty="0">
+              <a:solidFill>
+                <a:srgbClr val="000000"/>
+              </a:solidFill>
+              <a:effectLst/>
+              <a:latin typeface="verdana" panose="020B0604030504040204" pitchFamily="34" charset="0"/>
+            </a:endParaRPr>
+          </a:p>
+        </p:txBody>
+      </p:sp>
+    </p:spTree>
+    <p:custDataLst>
+      <p:tags r:id="rId1"/>
+    </p:custDataLst>
+    <p:extLst>
+      <p:ext uri="{BB962C8B-B14F-4D97-AF65-F5344CB8AC3E}">
+        <p14:creationId xmlns:p14="http://schemas.microsoft.com/office/powerpoint/2010/main" val="3038102950"/>
+      </p:ext>
+    </p:extLst>
+  </p:cSld>
+  <p:clrMapOvr>
+    <a:masterClrMapping/>
+  </p:clrMapOvr>
+  <p:transition/>
+  <p:timing>
+    <p:tnLst>
+      <p:par>
+        <p:cTn id="1" dur="indefinite" restart="never" nodeType="tmRoot">
+          <p:childTnLst>
+            <p:seq concurrent="1" nextAc="seek">
+              <p:cTn id="2" dur="indefinite" nodeType="mainSeq">
+                <p:childTnLst>
+                  <p:par>
+                    <p:cTn id="3" fill="hold">
+                      <p:stCondLst>
+                        <p:cond delay="indefinite"/>
+                      </p:stCondLst>
+                      <p:childTnLst>
+                        <p:par>
+                          <p:cTn id="4" fill="hold">
+                            <p:stCondLst>
+                              <p:cond delay="0"/>
+                            </p:stCondLst>
+                            <p:childTnLst>
+                              <p:par>
+                                <p:cTn id="5" presetID="1" presetClass="entr" presetSubtype="0" fill="hold" nodeType="clickEffect">
+                                  <p:stCondLst>
+                                    <p:cond delay="0"/>
+                                  </p:stCondLst>
+                                  <p:childTnLst>
+                                    <p:set>
+                                      <p:cBhvr>
+                                        <p:cTn id="6" dur="1" fill="hold">
+                                          <p:stCondLst>
+                                            <p:cond delay="0"/>
+                                          </p:stCondLst>
+                                        </p:cTn>
+                                        <p:tgtEl>
+                                          <p:spTgt spid="3">
+                                            <p:txEl>
+                                              <p:pRg st="0" end="0"/>
+                                            </p:txEl>
+                                          </p:spTgt>
+                                        </p:tgtEl>
+                                        <p:attrNameLst>
+                                          <p:attrName>style.visibility</p:attrName>
+                                        </p:attrNameLst>
+                                      </p:cBhvr>
+                                      <p:to>
+                                        <p:strVal val="visible"/>
+                                      </p:to>
+                                    </p:set>
+                                  </p:childTnLst>
+                                </p:cTn>
+                              </p:par>
+                            </p:childTnLst>
+                          </p:cTn>
+                        </p:par>
+                      </p:childTnLst>
+                    </p:cTn>
+                  </p:par>
+                  <p:par>
+                    <p:cTn id="7" fill="hold">
+                      <p:stCondLst>
+                        <p:cond delay="indefinite"/>
+                      </p:stCondLst>
+                      <p:childTnLst>
+                        <p:par>
+                          <p:cTn id="8" fill="hold">
+                            <p:stCondLst>
+                              <p:cond delay="0"/>
+                            </p:stCondLst>
+                            <p:childTnLst>
+                              <p:par>
+                                <p:cTn id="9" presetID="1" presetClass="entr" presetSubtype="0" fill="hold" nodeType="clickEffect">
+                                  <p:stCondLst>
+                                    <p:cond delay="0"/>
+                                  </p:stCondLst>
+                                  <p:childTnLst>
+                                    <p:set>
+                                      <p:cBhvr>
+                                        <p:cTn id="10" dur="1" fill="hold">
+                                          <p:stCondLst>
+                                            <p:cond delay="0"/>
+                                          </p:stCondLst>
+                                        </p:cTn>
+                                        <p:tgtEl>
+                                          <p:spTgt spid="3">
+                                            <p:txEl>
+                                              <p:pRg st="1" end="1"/>
+                                            </p:txEl>
+                                          </p:spTgt>
+                                        </p:tgtEl>
+                                        <p:attrNameLst>
+                                          <p:attrName>style.visibility</p:attrName>
+                                        </p:attrNameLst>
+                                      </p:cBhvr>
+                                      <p:to>
+                                        <p:strVal val="visible"/>
+                                      </p:to>
+                                    </p:set>
+                                  </p:childTnLst>
+                                </p:cTn>
+                              </p:par>
+                            </p:childTnLst>
+                          </p:cTn>
+                        </p:par>
+                      </p:childTnLst>
+                    </p:cTn>
+                  </p:par>
+                  <p:par>
+                    <p:cTn id="11" fill="hold">
+                      <p:stCondLst>
+                        <p:cond delay="indefinite"/>
+                      </p:stCondLst>
+                      <p:childTnLst>
+                        <p:par>
+                          <p:cTn id="12" fill="hold">
+                            <p:stCondLst>
+                              <p:cond delay="0"/>
+                            </p:stCondLst>
+                            <p:childTnLst>
+                              <p:par>
+                                <p:cTn id="13" presetID="1" presetClass="entr" presetSubtype="0" fill="hold" nodeType="clickEffect">
+                                  <p:stCondLst>
+                                    <p:cond delay="0"/>
+                                  </p:stCondLst>
+                                  <p:childTnLst>
+                                    <p:set>
+                                      <p:cBhvr>
+                                        <p:cTn id="14" dur="1" fill="hold">
+                                          <p:stCondLst>
+                                            <p:cond delay="0"/>
+                                          </p:stCondLst>
+                                        </p:cTn>
+                                        <p:tgtEl>
+                                          <p:spTgt spid="3">
+                                            <p:txEl>
+                                              <p:pRg st="2" end="2"/>
+                                            </p:txEl>
+                                          </p:spTgt>
+                                        </p:tgtEl>
+                                        <p:attrNameLst>
+                                          <p:attrName>style.visibility</p:attrName>
+                                        </p:attrNameLst>
+                                      </p:cBhvr>
+                                      <p:to>
+                                        <p:strVal val="visible"/>
+                                      </p:to>
+                                    </p:set>
+                                  </p:childTnLst>
+                                </p:cTn>
+                              </p:par>
+                            </p:childTnLst>
+                          </p:cTn>
+                        </p:par>
+                      </p:childTnLst>
+                    </p:cTn>
+                  </p:par>
+                  <p:par>
+                    <p:cTn id="15" fill="hold">
+                      <p:stCondLst>
+                        <p:cond delay="indefinite"/>
+                      </p:stCondLst>
+                      <p:childTnLst>
+                        <p:par>
+                          <p:cTn id="16" fill="hold">
+                            <p:stCondLst>
+                              <p:cond delay="0"/>
+                            </p:stCondLst>
+                            <p:childTnLst>
+                              <p:par>
+                                <p:cTn id="17" presetID="1" presetClass="entr" presetSubtype="0" fill="hold" nodeType="clickEffect">
+                                  <p:stCondLst>
+                                    <p:cond delay="0"/>
+                                  </p:stCondLst>
+                                  <p:childTnLst>
+                                    <p:set>
+                                      <p:cBhvr>
+                                        <p:cTn id="18" dur="1" fill="hold">
+                                          <p:stCondLst>
+                                            <p:cond delay="0"/>
+                                          </p:stCondLst>
+                                        </p:cTn>
+                                        <p:tgtEl>
+                                          <p:spTgt spid="3">
+                                            <p:txEl>
+                                              <p:pRg st="3" end="3"/>
+                                            </p:txEl>
+                                          </p:spTgt>
+                                        </p:tgtEl>
+                                        <p:attrNameLst>
+                                          <p:attrName>style.visibility</p:attrName>
+                                        </p:attrNameLst>
+                                      </p:cBhvr>
+                                      <p:to>
+                                        <p:strVal val="visible"/>
+                                      </p:to>
+                                    </p:set>
+                                  </p:childTnLst>
+                                </p:cTn>
+                              </p:par>
+                            </p:childTnLst>
+                          </p:cTn>
+                        </p:par>
+                      </p:childTnLst>
+                    </p:cTn>
+                  </p:par>
+                  <p:par>
+                    <p:cTn id="19" fill="hold">
+                      <p:stCondLst>
+                        <p:cond delay="indefinite"/>
+                      </p:stCondLst>
+                      <p:childTnLst>
+                        <p:par>
+                          <p:cTn id="20" fill="hold">
+                            <p:stCondLst>
+                              <p:cond delay="0"/>
+                            </p:stCondLst>
+                            <p:childTnLst>
+                              <p:par>
+                                <p:cTn id="21" presetID="1" presetClass="entr" presetSubtype="0" fill="hold" nodeType="clickEffect">
+                                  <p:stCondLst>
+                                    <p:cond delay="0"/>
+                                  </p:stCondLst>
+                                  <p:childTnLst>
+                                    <p:set>
+                                      <p:cBhvr>
+                                        <p:cTn id="22" dur="1" fill="hold">
+                                          <p:stCondLst>
+                                            <p:cond delay="0"/>
+                                          </p:stCondLst>
+                                        </p:cTn>
+                                        <p:tgtEl>
+                                          <p:spTgt spid="3">
+                                            <p:txEl>
+                                              <p:pRg st="4" end="4"/>
+                                            </p:txEl>
+                                          </p:spTgt>
+                                        </p:tgtEl>
+                                        <p:attrNameLst>
+                                          <p:attrName>style.visibility</p:attrName>
+                                        </p:attrNameLst>
+                                      </p:cBhvr>
+                                      <p:to>
+                                        <p:strVal val="visible"/>
+                                      </p:to>
+                                    </p:set>
+                                  </p:childTnLst>
+                                </p:cTn>
+                              </p:par>
+                            </p:childTnLst>
+                          </p:cTn>
+                        </p:par>
+                      </p:childTnLst>
+                    </p:cTn>
+                  </p:par>
+                  <p:par>
+                    <p:cTn id="23" fill="hold">
+                      <p:stCondLst>
+                        <p:cond delay="indefinite"/>
+                      </p:stCondLst>
+                      <p:childTnLst>
+                        <p:par>
+                          <p:cTn id="24" fill="hold">
+                            <p:stCondLst>
+                              <p:cond delay="0"/>
+                            </p:stCondLst>
+                            <p:childTnLst>
+                              <p:par>
+                                <p:cTn id="25" presetID="1" presetClass="entr" presetSubtype="0" fill="hold" grpId="0" nodeType="clickEffect">
+                                  <p:stCondLst>
+                                    <p:cond delay="0"/>
+                                  </p:stCondLst>
+                                  <p:childTnLst>
+                                    <p:set>
+                                      <p:cBhvr>
+                                        <p:cTn id="26" dur="1" fill="hold">
+                                          <p:stCondLst>
+                                            <p:cond delay="0"/>
+                                          </p:stCondLst>
+                                        </p:cTn>
+                                        <p:tgtEl>
+                                          <p:spTgt spid="4"/>
+                                        </p:tgtEl>
+                                        <p:attrNameLst>
+                                          <p:attrName>style.visibility</p:attrName>
+                                        </p:attrNameLst>
+                                      </p:cBhvr>
+                                      <p:to>
+                                        <p:strVal val="visible"/>
+                                      </p:to>
+                                    </p:set>
+                                  </p:childTnLst>
+                                </p:cTn>
+                              </p:par>
+                            </p:childTnLst>
+                          </p:cTn>
+                        </p:par>
+                      </p:childTnLst>
+                    </p:cTn>
+                  </p:par>
+                </p:childTnLst>
+              </p:cTn>
+              <p:prevCondLst>
+                <p:cond evt="onPrev" delay="0">
+                  <p:tgtEl>
+                    <p:sldTgt/>
+                  </p:tgtEl>
+                </p:cond>
+              </p:prevCondLst>
+              <p:nextCondLst>
+                <p:cond evt="onNext" delay="0">
+                  <p:tgtEl>
+                    <p:sldTgt/>
+                  </p:tgtEl>
+                </p:cond>
+              </p:nextCondLst>
+            </p:seq>
+          </p:childTnLst>
+        </p:cTn>
+      </p:par>
+    </p:tnLst>
+    <p:bldLst>
+      <p:bldP spid="4" grpId="0"/>
+    </p:bldLst>
+  </p:timing>
+</p:sld>
+</file>
+
+<file path=ppt/slides/slide12.xml><?xml version="1.0" encoding="utf-8"?>
+<p:sld xmlns:a="http://schemas.openxmlformats.org/drawingml/2006/main" xmlns:r="http://schemas.openxmlformats.org/officeDocument/2006/relationships" xmlns:p="http://schemas.openxmlformats.org/presentationml/2006/main">
+  <p:cSld>
+    <p:spTree>
+      <p:nvGrpSpPr>
+        <p:cNvPr id="1" name=""/>
+        <p:cNvGrpSpPr/>
+        <p:nvPr/>
+      </p:nvGrpSpPr>
+      <p:grpSpPr>
+        <a:xfrm>
+          <a:off x="0" y="0"/>
+          <a:ext cx="0" cy="0"/>
+          <a:chOff x="0" y="0"/>
+          <a:chExt cx="0" cy="0"/>
+        </a:xfrm>
+      </p:grpSpPr>
+      <p:sp>
+        <p:nvSpPr>
+          <p:cNvPr id="2" name="标题 1"/>
+          <p:cNvSpPr>
+            <a:spLocks noGrp="1"/>
+          </p:cNvSpPr>
+          <p:nvPr>
+            <p:ph type="title"/>
+          </p:nvPr>
+        </p:nvSpPr>
+        <p:spPr/>
+        <p:txBody>
+          <a:bodyPr/>
+          <a:lstStyle/>
+          <a:p>
+            <a:r>
+              <a:rPr lang="zh-CN" altLang="en-US" dirty="0">
+                <a:sym typeface="+mn-ea"/>
+              </a:rPr>
               <a:t>主问题：分析存在的问题</a:t>
             </a:r>
             <a:endParaRPr dirty="0">
@@ -6644,7 +7380,7 @@
 </p:sld>
 </file>
 
-<file path=ppt/slides/slide11.xml><?xml version="1.0" encoding="utf-8"?>
+<file path=ppt/slides/slide13.xml><?xml version="1.0" encoding="utf-8"?>
 <p:sld xmlns:a="http://schemas.openxmlformats.org/drawingml/2006/main" xmlns:r="http://schemas.openxmlformats.org/officeDocument/2006/relationships" xmlns:p="http://schemas.openxmlformats.org/presentationml/2006/main">
   <p:cSld>
     <p:spTree>
@@ -7121,7 +7857,7 @@
 </p:sld>
 </file>
 
-<file path=ppt/slides/slide12.xml><?xml version="1.0" encoding="utf-8"?>
+<file path=ppt/slides/slide14.xml><?xml version="1.0" encoding="utf-8"?>
 <p:sld xmlns:a="http://schemas.openxmlformats.org/drawingml/2006/main" xmlns:r="http://schemas.openxmlformats.org/officeDocument/2006/relationships" xmlns:p="http://schemas.openxmlformats.org/presentationml/2006/main">
   <p:cSld>
     <p:spTree>
@@ -7181,7 +7917,7 @@
 </p:sld>
 </file>
 
-<file path=ppt/slides/slide13.xml><?xml version="1.0" encoding="utf-8"?>
+<file path=ppt/slides/slide15.xml><?xml version="1.0" encoding="utf-8"?>
 <p:sld xmlns:a="http://schemas.openxmlformats.org/drawingml/2006/main" xmlns:r="http://schemas.openxmlformats.org/officeDocument/2006/relationships" xmlns:p="http://schemas.openxmlformats.org/presentationml/2006/main">
   <p:cSld>
     <p:spTree>
@@ -7704,7 +8440,7 @@
 </p:sld>
 </file>
 
-<file path=ppt/slides/slide14.xml><?xml version="1.0" encoding="utf-8"?>
+<file path=ppt/slides/slide16.xml><?xml version="1.0" encoding="utf-8"?>
 <p:sld xmlns:a="http://schemas.openxmlformats.org/drawingml/2006/main" xmlns:r="http://schemas.openxmlformats.org/officeDocument/2006/relationships" xmlns:p="http://schemas.openxmlformats.org/presentationml/2006/main">
   <p:cSld>
     <p:spTree>
@@ -7775,7 +8511,7 @@
 </p:sld>
 </file>
 
-<file path=ppt/slides/slide15.xml><?xml version="1.0" encoding="utf-8"?>
+<file path=ppt/slides/slide17.xml><?xml version="1.0" encoding="utf-8"?>
 <p:sld xmlns:a="http://schemas.openxmlformats.org/drawingml/2006/main" xmlns:r="http://schemas.openxmlformats.org/officeDocument/2006/relationships" xmlns:p="http://schemas.openxmlformats.org/presentationml/2006/main">
   <p:cSld>
     <p:spTree>
@@ -8456,7 +9192,7 @@
 </p:sld>
 </file>
 
-<file path=ppt/slides/slide16.xml><?xml version="1.0" encoding="utf-8"?>
+<file path=ppt/slides/slide18.xml><?xml version="1.0" encoding="utf-8"?>
 <p:sld xmlns:a="http://schemas.openxmlformats.org/drawingml/2006/main" xmlns:r="http://schemas.openxmlformats.org/officeDocument/2006/relationships" xmlns:p="http://schemas.openxmlformats.org/presentationml/2006/main">
   <p:cSld>
     <p:spTree>
@@ -8516,7 +9252,7 @@
 </p:sld>
 </file>
 
-<file path=ppt/slides/slide17.xml><?xml version="1.0" encoding="utf-8"?>
+<file path=ppt/slides/slide19.xml><?xml version="1.0" encoding="utf-8"?>
 <p:sld xmlns:a="http://schemas.openxmlformats.org/drawingml/2006/main" xmlns:r="http://schemas.openxmlformats.org/officeDocument/2006/relationships" xmlns:p="http://schemas.openxmlformats.org/presentationml/2006/main">
   <p:cSld>
     <p:spTree>
@@ -9291,7 +10027,62 @@
 </p:sld>
 </file>
 
-<file path=ppt/slides/slide18.xml><?xml version="1.0" encoding="utf-8"?>
+<file path=ppt/slides/slide2.xml><?xml version="1.0" encoding="utf-8"?>
+<p:sld xmlns:a="http://schemas.openxmlformats.org/drawingml/2006/main" xmlns:r="http://schemas.openxmlformats.org/officeDocument/2006/relationships" xmlns:p="http://schemas.openxmlformats.org/presentationml/2006/main">
+  <p:cSld>
+    <p:spTree>
+      <p:nvGrpSpPr>
+        <p:cNvPr id="1" name=""/>
+        <p:cNvGrpSpPr/>
+        <p:nvPr/>
+      </p:nvGrpSpPr>
+      <p:grpSpPr>
+        <a:xfrm>
+          <a:off x="0" y="0"/>
+          <a:ext cx="0" cy="0"/>
+          <a:chOff x="0" y="0"/>
+          <a:chExt cx="0" cy="0"/>
+        </a:xfrm>
+      </p:grpSpPr>
+      <p:sp>
+        <p:nvSpPr>
+          <p:cNvPr id="2" name="标题 1"/>
+          <p:cNvSpPr>
+            <a:spLocks noGrp="1"/>
+          </p:cNvSpPr>
+          <p:nvPr>
+            <p:ph type="title"/>
+          </p:nvPr>
+        </p:nvSpPr>
+        <p:spPr>
+          <a:xfrm>
+            <a:off x="669882" y="2108221"/>
+            <a:ext cx="10852237" cy="899167"/>
+          </a:xfrm>
+        </p:spPr>
+        <p:txBody>
+          <a:bodyPr/>
+          <a:lstStyle/>
+          <a:p>
+            <a:r>
+              <a:rPr lang="zh-CN" altLang="en-US" dirty="0"/>
+              <a:t>依赖隔离模式</a:t>
+            </a:r>
+          </a:p>
+        </p:txBody>
+      </p:sp>
+    </p:spTree>
+    <p:custDataLst>
+      <p:tags r:id="rId1"/>
+    </p:custDataLst>
+  </p:cSld>
+  <p:clrMapOvr>
+    <a:masterClrMapping/>
+  </p:clrMapOvr>
+</p:sld>
+</file>
+
+<file path=ppt/slides/slide20.xml><?xml version="1.0" encoding="utf-8"?>
 <p:sld xmlns:a="http://schemas.openxmlformats.org/drawingml/2006/main" xmlns:r="http://schemas.openxmlformats.org/officeDocument/2006/relationships" xmlns:p="http://schemas.openxmlformats.org/presentationml/2006/main">
   <p:cSld>
     <p:spTree>
@@ -9963,7 +10754,7 @@
 </p:sld>
 </file>
 
-<file path=ppt/slides/slide19.xml><?xml version="1.0" encoding="utf-8"?>
+<file path=ppt/slides/slide21.xml><?xml version="1.0" encoding="utf-8"?>
 <p:sld xmlns:a="http://schemas.openxmlformats.org/drawingml/2006/main" xmlns:r="http://schemas.openxmlformats.org/officeDocument/2006/relationships" xmlns:p="http://schemas.openxmlformats.org/presentationml/2006/main">
   <p:cSld>
     <p:spTree>
@@ -10233,62 +11024,7 @@
 </p:sld>
 </file>
 
-<file path=ppt/slides/slide2.xml><?xml version="1.0" encoding="utf-8"?>
-<p:sld xmlns:a="http://schemas.openxmlformats.org/drawingml/2006/main" xmlns:r="http://schemas.openxmlformats.org/officeDocument/2006/relationships" xmlns:p="http://schemas.openxmlformats.org/presentationml/2006/main">
-  <p:cSld>
-    <p:spTree>
-      <p:nvGrpSpPr>
-        <p:cNvPr id="1" name=""/>
-        <p:cNvGrpSpPr/>
-        <p:nvPr/>
-      </p:nvGrpSpPr>
-      <p:grpSpPr>
-        <a:xfrm>
-          <a:off x="0" y="0"/>
-          <a:ext cx="0" cy="0"/>
-          <a:chOff x="0" y="0"/>
-          <a:chExt cx="0" cy="0"/>
-        </a:xfrm>
-      </p:grpSpPr>
-      <p:sp>
-        <p:nvSpPr>
-          <p:cNvPr id="2" name="标题 1"/>
-          <p:cNvSpPr>
-            <a:spLocks noGrp="1"/>
-          </p:cNvSpPr>
-          <p:nvPr>
-            <p:ph type="title"/>
-          </p:nvPr>
-        </p:nvSpPr>
-        <p:spPr>
-          <a:xfrm>
-            <a:off x="669882" y="2108221"/>
-            <a:ext cx="10852237" cy="899167"/>
-          </a:xfrm>
-        </p:spPr>
-        <p:txBody>
-          <a:bodyPr/>
-          <a:lstStyle/>
-          <a:p>
-            <a:r>
-              <a:rPr lang="zh-CN" altLang="en-US" dirty="0"/>
-              <a:t>依赖隔离模式</a:t>
-            </a:r>
-          </a:p>
-        </p:txBody>
-      </p:sp>
-    </p:spTree>
-    <p:custDataLst>
-      <p:tags r:id="rId1"/>
-    </p:custDataLst>
-  </p:cSld>
-  <p:clrMapOvr>
-    <a:masterClrMapping/>
-  </p:clrMapOvr>
-</p:sld>
-</file>
-
-<file path=ppt/slides/slide20.xml><?xml version="1.0" encoding="utf-8"?>
+<file path=ppt/slides/slide22.xml><?xml version="1.0" encoding="utf-8"?>
 <p:sld xmlns:a="http://schemas.openxmlformats.org/drawingml/2006/main" xmlns:r="http://schemas.openxmlformats.org/officeDocument/2006/relationships" xmlns:p="http://schemas.openxmlformats.org/presentationml/2006/main">
   <p:cSld>
     <p:spTree>
@@ -10780,7 +11516,7 @@
 </p:sld>
 </file>
 
-<file path=ppt/slides/slide21.xml><?xml version="1.0" encoding="utf-8"?>
+<file path=ppt/slides/slide23.xml><?xml version="1.0" encoding="utf-8"?>
 <p:sld xmlns:a="http://schemas.openxmlformats.org/drawingml/2006/main" xmlns:r="http://schemas.openxmlformats.org/officeDocument/2006/relationships" xmlns:p="http://schemas.openxmlformats.org/presentationml/2006/main">
   <p:cSld>
     <p:spTree>
@@ -11240,7 +11976,7 @@
 </p:sld>
 </file>
 
-<file path=ppt/slides/slide22.xml><?xml version="1.0" encoding="utf-8"?>
+<file path=ppt/slides/slide24.xml><?xml version="1.0" encoding="utf-8"?>
 <p:sld xmlns:a="http://schemas.openxmlformats.org/drawingml/2006/main" xmlns:r="http://schemas.openxmlformats.org/officeDocument/2006/relationships" xmlns:p="http://schemas.openxmlformats.org/presentationml/2006/main">
   <p:cSld>
     <p:spTree>
@@ -11300,7 +12036,7 @@
 </p:sld>
 </file>
 
-<file path=ppt/slides/slide23.xml><?xml version="1.0" encoding="utf-8"?>
+<file path=ppt/slides/slide25.xml><?xml version="1.0" encoding="utf-8"?>
 <p:sld xmlns:a="http://schemas.openxmlformats.org/drawingml/2006/main" xmlns:r="http://schemas.openxmlformats.org/officeDocument/2006/relationships" xmlns:p="http://schemas.openxmlformats.org/presentationml/2006/main">
   <p:cSld>
     <p:spTree>
@@ -11704,7 +12440,7 @@
 </p:sld>
 </file>
 
-<file path=ppt/slides/slide24.xml><?xml version="1.0" encoding="utf-8"?>
+<file path=ppt/slides/slide26.xml><?xml version="1.0" encoding="utf-8"?>
 <p:sld xmlns:a="http://schemas.openxmlformats.org/drawingml/2006/main" xmlns:r="http://schemas.openxmlformats.org/officeDocument/2006/relationships" xmlns:p="http://schemas.openxmlformats.org/presentationml/2006/main">
   <p:cSld>
     <p:spTree>
@@ -11774,7 +12510,7 @@
 </p:sld>
 </file>
 
-<file path=ppt/slides/slide25.xml><?xml version="1.0" encoding="utf-8"?>
+<file path=ppt/slides/slide27.xml><?xml version="1.0" encoding="utf-8"?>
 <p:sld xmlns:a="http://schemas.openxmlformats.org/drawingml/2006/main" xmlns:r="http://schemas.openxmlformats.org/officeDocument/2006/relationships" xmlns:p="http://schemas.openxmlformats.org/presentationml/2006/main">
   <p:cSld>
     <p:spTree>
@@ -11986,7 +12722,7 @@
 </p:sld>
 </file>
 
-<file path=ppt/slides/slide26.xml><?xml version="1.0" encoding="utf-8"?>
+<file path=ppt/slides/slide28.xml><?xml version="1.0" encoding="utf-8"?>
 <p:sld xmlns:a="http://schemas.openxmlformats.org/drawingml/2006/main" xmlns:r="http://schemas.openxmlformats.org/officeDocument/2006/relationships" xmlns:p="http://schemas.openxmlformats.org/presentationml/2006/main">
   <p:cSld>
     <p:spTree>
@@ -12041,7 +12777,7 @@
 </p:sld>
 </file>
 
-<file path=ppt/slides/slide27.xml><?xml version="1.0" encoding="utf-8"?>
+<file path=ppt/slides/slide29.xml><?xml version="1.0" encoding="utf-8"?>
 <p:sld xmlns:a="http://schemas.openxmlformats.org/drawingml/2006/main" xmlns:r="http://schemas.openxmlformats.org/officeDocument/2006/relationships" xmlns:p="http://schemas.openxmlformats.org/presentationml/2006/main">
   <p:cSld>
     <p:spTree>
@@ -12303,132 +13039,6 @@
       <p:bldP spid="3" grpId="0" build="p"/>
     </p:bldLst>
   </p:timing>
-</p:sld>
-</file>
-
-<file path=ppt/slides/slide28.xml><?xml version="1.0" encoding="utf-8"?>
-<p:sld xmlns:a="http://schemas.openxmlformats.org/drawingml/2006/main" xmlns:r="http://schemas.openxmlformats.org/officeDocument/2006/relationships" xmlns:p="http://schemas.openxmlformats.org/presentationml/2006/main">
-  <p:cSld>
-    <p:spTree>
-      <p:nvGrpSpPr>
-        <p:cNvPr id="1" name=""/>
-        <p:cNvGrpSpPr/>
-        <p:nvPr/>
-      </p:nvGrpSpPr>
-      <p:grpSpPr>
-        <a:xfrm>
-          <a:off x="0" y="0"/>
-          <a:ext cx="0" cy="0"/>
-          <a:chOff x="0" y="0"/>
-          <a:chExt cx="0" cy="0"/>
-        </a:xfrm>
-      </p:grpSpPr>
-      <p:sp>
-        <p:nvSpPr>
-          <p:cNvPr id="2" name="文本占位符 1"/>
-          <p:cNvSpPr>
-            <a:spLocks noGrp="1"/>
-          </p:cNvSpPr>
-          <p:nvPr>
-            <p:ph type="body" idx="1"/>
-          </p:nvPr>
-        </p:nvSpPr>
-        <p:spPr/>
-        <p:txBody>
-          <a:bodyPr/>
-          <a:lstStyle/>
-          <a:p>
-            <a:pPr marL="285750" indent="-285750">
-              <a:buFont typeface="Arial" panose="020B0604020202020204" pitchFamily="34" charset="0"/>
-              <a:buChar char="•"/>
-            </a:pPr>
-            <a:endParaRPr dirty="0">
-              <a:hlinkClick r:id="rId3" action="ppaction://hlinkfile"/>
-            </a:endParaRPr>
-          </a:p>
-        </p:txBody>
-      </p:sp>
-    </p:spTree>
-    <p:custDataLst>
-      <p:tags r:id="rId1"/>
-    </p:custDataLst>
-  </p:cSld>
-  <p:clrMapOvr>
-    <a:masterClrMapping/>
-  </p:clrMapOvr>
-</p:sld>
-</file>
-
-<file path=ppt/slides/slide29.xml><?xml version="1.0" encoding="utf-8"?>
-<p:sld xmlns:a="http://schemas.openxmlformats.org/drawingml/2006/main" xmlns:r="http://schemas.openxmlformats.org/officeDocument/2006/relationships" xmlns:p="http://schemas.openxmlformats.org/presentationml/2006/main">
-  <p:cSld>
-    <p:spTree>
-      <p:nvGrpSpPr>
-        <p:cNvPr id="1" name=""/>
-        <p:cNvGrpSpPr/>
-        <p:nvPr/>
-      </p:nvGrpSpPr>
-      <p:grpSpPr>
-        <a:xfrm>
-          <a:off x="0" y="0"/>
-          <a:ext cx="0" cy="0"/>
-          <a:chOff x="0" y="0"/>
-          <a:chExt cx="0" cy="0"/>
-        </a:xfrm>
-      </p:grpSpPr>
-      <p:sp>
-        <p:nvSpPr>
-          <p:cNvPr id="2" name="文本占位符 1"/>
-          <p:cNvSpPr>
-            <a:spLocks noGrp="1"/>
-          </p:cNvSpPr>
-          <p:nvPr>
-            <p:ph type="body" idx="1"/>
-          </p:nvPr>
-        </p:nvSpPr>
-        <p:spPr/>
-        <p:txBody>
-          <a:bodyPr/>
-          <a:lstStyle/>
-          <a:p>
-            <a:pPr marL="285750" lvl="0" indent="-285750">
-              <a:buFont typeface="Arial" panose="020B0604020202020204" pitchFamily="34" charset="0"/>
-              <a:buChar char="•"/>
-            </a:pPr>
-            <a:endParaRPr lang="zh-CN" altLang="en-US" dirty="0"/>
-          </a:p>
-        </p:txBody>
-      </p:sp>
-      <p:sp>
-        <p:nvSpPr>
-          <p:cNvPr id="3" name="标题 2"/>
-          <p:cNvSpPr>
-            <a:spLocks noGrp="1"/>
-          </p:cNvSpPr>
-          <p:nvPr>
-            <p:ph type="title"/>
-          </p:nvPr>
-        </p:nvSpPr>
-        <p:spPr/>
-        <p:txBody>
-          <a:bodyPr/>
-          <a:lstStyle/>
-          <a:p>
-            <a:r>
-              <a:rPr lang="zh-CN" altLang="en-US"/>
-              <a:t>下节课预告</a:t>
-            </a:r>
-          </a:p>
-        </p:txBody>
-      </p:sp>
-    </p:spTree>
-    <p:custDataLst>
-      <p:tags r:id="rId1"/>
-    </p:custDataLst>
-  </p:cSld>
-  <p:clrMapOvr>
-    <a:masterClrMapping/>
-  </p:clrMapOvr>
 </p:sld>
 </file>
 
@@ -13156,12 +13766,12 @@
       </p:grpSpPr>
       <p:sp>
         <p:nvSpPr>
-          <p:cNvPr id="2" name="标题 1"/>
+          <p:cNvPr id="2" name="文本占位符 1"/>
           <p:cNvSpPr>
             <a:spLocks noGrp="1"/>
           </p:cNvSpPr>
           <p:nvPr>
-            <p:ph type="title"/>
+            <p:ph type="body" idx="1"/>
           </p:nvPr>
         </p:nvSpPr>
         <p:spPr/>
@@ -13169,10 +13779,13 @@
           <a:bodyPr/>
           <a:lstStyle/>
           <a:p>
-            <a:r>
-              <a:rPr lang="zh-CN" altLang="en-US" dirty="0"/>
-              <a:t>问答</a:t>
-            </a:r>
+            <a:pPr marL="285750" indent="-285750">
+              <a:buFont typeface="Arial" panose="020B0604020202020204" pitchFamily="34" charset="0"/>
+              <a:buChar char="•"/>
+            </a:pPr>
+            <a:endParaRPr dirty="0">
+              <a:hlinkClick r:id="rId3" action="ppaction://hlinkfile"/>
+            </a:endParaRPr>
           </a:p>
         </p:txBody>
       </p:sp>
@@ -13180,11 +13793,6 @@
     <p:custDataLst>
       <p:tags r:id="rId1"/>
     </p:custDataLst>
-    <p:extLst>
-      <p:ext uri="{BB962C8B-B14F-4D97-AF65-F5344CB8AC3E}">
-        <p14:creationId xmlns:p14="http://schemas.microsoft.com/office/powerpoint/2010/main" val="2041315174"/>
-      </p:ext>
-    </p:extLst>
   </p:cSld>
   <p:clrMapOvr>
     <a:masterClrMapping/>
@@ -13224,10 +13832,11 @@
           <a:bodyPr/>
           <a:lstStyle/>
           <a:p>
-            <a:pPr>
+            <a:pPr marL="285750" lvl="0" indent="-285750">
               <a:buFont typeface="Arial" panose="020B0604020202020204" pitchFamily="34" charset="0"/>
+              <a:buChar char="•"/>
             </a:pPr>
-            <a:endParaRPr lang="en-US" altLang="zh-CN"/>
+            <a:endParaRPr lang="zh-CN" altLang="en-US" dirty="0"/>
           </a:p>
         </p:txBody>
       </p:sp>
@@ -13247,7 +13856,8 @@
           <a:lstStyle/>
           <a:p>
             <a:r>
-              <a:t>问答</a:t>
+              <a:rPr lang="zh-CN" altLang="en-US"/>
+              <a:t>下节课预告</a:t>
             </a:r>
           </a:p>
         </p:txBody>
@@ -13296,6 +13906,132 @@
           <a:lstStyle/>
           <a:p>
             <a:r>
+              <a:rPr lang="zh-CN" altLang="en-US" dirty="0"/>
+              <a:t>问答</a:t>
+            </a:r>
+          </a:p>
+        </p:txBody>
+      </p:sp>
+    </p:spTree>
+    <p:custDataLst>
+      <p:tags r:id="rId1"/>
+    </p:custDataLst>
+    <p:extLst>
+      <p:ext uri="{BB962C8B-B14F-4D97-AF65-F5344CB8AC3E}">
+        <p14:creationId xmlns:p14="http://schemas.microsoft.com/office/powerpoint/2010/main" val="2041315174"/>
+      </p:ext>
+    </p:extLst>
+  </p:cSld>
+  <p:clrMapOvr>
+    <a:masterClrMapping/>
+  </p:clrMapOvr>
+</p:sld>
+</file>
+
+<file path=ppt/slides/slide33.xml><?xml version="1.0" encoding="utf-8"?>
+<p:sld xmlns:a="http://schemas.openxmlformats.org/drawingml/2006/main" xmlns:r="http://schemas.openxmlformats.org/officeDocument/2006/relationships" xmlns:p="http://schemas.openxmlformats.org/presentationml/2006/main">
+  <p:cSld>
+    <p:spTree>
+      <p:nvGrpSpPr>
+        <p:cNvPr id="1" name=""/>
+        <p:cNvGrpSpPr/>
+        <p:nvPr/>
+      </p:nvGrpSpPr>
+      <p:grpSpPr>
+        <a:xfrm>
+          <a:off x="0" y="0"/>
+          <a:ext cx="0" cy="0"/>
+          <a:chOff x="0" y="0"/>
+          <a:chExt cx="0" cy="0"/>
+        </a:xfrm>
+      </p:grpSpPr>
+      <p:sp>
+        <p:nvSpPr>
+          <p:cNvPr id="2" name="文本占位符 1"/>
+          <p:cNvSpPr>
+            <a:spLocks noGrp="1"/>
+          </p:cNvSpPr>
+          <p:nvPr>
+            <p:ph type="body" idx="1"/>
+          </p:nvPr>
+        </p:nvSpPr>
+        <p:spPr/>
+        <p:txBody>
+          <a:bodyPr/>
+          <a:lstStyle/>
+          <a:p>
+            <a:pPr>
+              <a:buFont typeface="Arial" panose="020B0604020202020204" pitchFamily="34" charset="0"/>
+            </a:pPr>
+            <a:endParaRPr lang="en-US" altLang="zh-CN"/>
+          </a:p>
+        </p:txBody>
+      </p:sp>
+      <p:sp>
+        <p:nvSpPr>
+          <p:cNvPr id="3" name="标题 2"/>
+          <p:cNvSpPr>
+            <a:spLocks noGrp="1"/>
+          </p:cNvSpPr>
+          <p:nvPr>
+            <p:ph type="title"/>
+          </p:nvPr>
+        </p:nvSpPr>
+        <p:spPr/>
+        <p:txBody>
+          <a:bodyPr/>
+          <a:lstStyle/>
+          <a:p>
+            <a:r>
+              <a:t>问答</a:t>
+            </a:r>
+          </a:p>
+        </p:txBody>
+      </p:sp>
+    </p:spTree>
+    <p:custDataLst>
+      <p:tags r:id="rId1"/>
+    </p:custDataLst>
+  </p:cSld>
+  <p:clrMapOvr>
+    <a:masterClrMapping/>
+  </p:clrMapOvr>
+</p:sld>
+</file>
+
+<file path=ppt/slides/slide34.xml><?xml version="1.0" encoding="utf-8"?>
+<p:sld xmlns:a="http://schemas.openxmlformats.org/drawingml/2006/main" xmlns:r="http://schemas.openxmlformats.org/officeDocument/2006/relationships" xmlns:p="http://schemas.openxmlformats.org/presentationml/2006/main">
+  <p:cSld>
+    <p:spTree>
+      <p:nvGrpSpPr>
+        <p:cNvPr id="1" name=""/>
+        <p:cNvGrpSpPr/>
+        <p:nvPr/>
+      </p:nvGrpSpPr>
+      <p:grpSpPr>
+        <a:xfrm>
+          <a:off x="0" y="0"/>
+          <a:ext cx="0" cy="0"/>
+          <a:chOff x="0" y="0"/>
+          <a:chExt cx="0" cy="0"/>
+        </a:xfrm>
+      </p:grpSpPr>
+      <p:sp>
+        <p:nvSpPr>
+          <p:cNvPr id="2" name="标题 1"/>
+          <p:cNvSpPr>
+            <a:spLocks noGrp="1"/>
+          </p:cNvSpPr>
+          <p:nvPr>
+            <p:ph type="title"/>
+          </p:nvPr>
+        </p:nvSpPr>
+        <p:spPr/>
+        <p:txBody>
+          <a:bodyPr/>
+          <a:lstStyle/>
+          <a:p>
+            <a:r>
               <a:rPr lang="zh-CN" altLang="en-US"/>
               <a:t>谢谢你</a:t>
             </a:r>
@@ -13353,6 +14089,280 @@
               <a:rPr lang="zh-CN" altLang="en-US" dirty="0">
                 <a:sym typeface="+mn-ea"/>
               </a:rPr>
+              <a:t>回顾相关内容</a:t>
+            </a:r>
+            <a:endParaRPr dirty="0">
+              <a:sym typeface="+mn-ea"/>
+            </a:endParaRPr>
+          </a:p>
+        </p:txBody>
+      </p:sp>
+    </p:spTree>
+    <p:custDataLst>
+      <p:tags r:id="rId1"/>
+    </p:custDataLst>
+    <p:extLst>
+      <p:ext uri="{BB962C8B-B14F-4D97-AF65-F5344CB8AC3E}">
+        <p14:creationId xmlns:p14="http://schemas.microsoft.com/office/powerpoint/2010/main" val="336298763"/>
+      </p:ext>
+    </p:extLst>
+  </p:cSld>
+  <p:clrMapOvr>
+    <a:masterClrMapping/>
+  </p:clrMapOvr>
+</p:sld>
+</file>
+
+<file path=ppt/slides/slide5.xml><?xml version="1.0" encoding="utf-8"?>
+<p:sld xmlns:a="http://schemas.openxmlformats.org/drawingml/2006/main" xmlns:r="http://schemas.openxmlformats.org/officeDocument/2006/relationships" xmlns:p="http://schemas.openxmlformats.org/presentationml/2006/main">
+  <p:cSld>
+    <p:spTree>
+      <p:nvGrpSpPr>
+        <p:cNvPr id="1" name=""/>
+        <p:cNvGrpSpPr/>
+        <p:nvPr/>
+      </p:nvGrpSpPr>
+      <p:grpSpPr>
+        <a:xfrm>
+          <a:off x="0" y="0"/>
+          <a:ext cx="0" cy="0"/>
+          <a:chOff x="0" y="0"/>
+          <a:chExt cx="0" cy="0"/>
+        </a:xfrm>
+      </p:grpSpPr>
+      <p:sp>
+        <p:nvSpPr>
+          <p:cNvPr id="2" name="标题 1"/>
+          <p:cNvSpPr>
+            <a:spLocks noGrp="1"/>
+          </p:cNvSpPr>
+          <p:nvPr>
+            <p:ph type="title"/>
+          </p:nvPr>
+        </p:nvSpPr>
+        <p:spPr/>
+        <p:txBody>
+          <a:bodyPr/>
+          <a:lstStyle/>
+          <a:p>
+            <a:r>
+              <a:rPr lang="zh-CN" altLang="en-US" dirty="0">
+                <a:sym typeface="+mn-ea"/>
+              </a:rPr>
+              <a:t>回顾相关内容</a:t>
+            </a:r>
+            <a:endParaRPr lang="zh-CN" altLang="en-US" dirty="0"/>
+          </a:p>
+        </p:txBody>
+      </p:sp>
+      <p:sp>
+        <p:nvSpPr>
+          <p:cNvPr id="3" name="内容占位符 2"/>
+          <p:cNvSpPr>
+            <a:spLocks noGrp="1"/>
+          </p:cNvSpPr>
+          <p:nvPr>
+            <p:ph idx="1"/>
+          </p:nvPr>
+        </p:nvSpPr>
+        <p:spPr/>
+        <p:txBody>
+          <a:bodyPr/>
+          <a:lstStyle/>
+          <a:p>
+            <a:r>
+              <a:rPr lang="zh-CN" altLang="en-US" i="0" dirty="0">
+                <a:solidFill>
+                  <a:srgbClr val="000000"/>
+                </a:solidFill>
+                <a:effectLst/>
+                <a:latin typeface="verdana" panose="020B0604030504040204" pitchFamily="34" charset="0"/>
+              </a:rPr>
+              <a:t>回顾</a:t>
+            </a:r>
+            <a:r>
+              <a:rPr lang="en-US" altLang="zh-CN" i="0" dirty="0">
+                <a:solidFill>
+                  <a:srgbClr val="000000"/>
+                </a:solidFill>
+                <a:effectLst/>
+                <a:latin typeface="verdana" panose="020B0604030504040204" pitchFamily="34" charset="0"/>
+              </a:rPr>
+              <a:t>6</a:t>
+            </a:r>
+            <a:r>
+              <a:rPr lang="zh-CN" altLang="en-US" i="0" dirty="0">
+                <a:solidFill>
+                  <a:srgbClr val="000000"/>
+                </a:solidFill>
+                <a:effectLst/>
+                <a:latin typeface="verdana" panose="020B0604030504040204" pitchFamily="34" charset="0"/>
+              </a:rPr>
+              <a:t>个</a:t>
+            </a:r>
+            <a:r>
+              <a:rPr lang="zh-CN" altLang="en-US" i="0">
+                <a:solidFill>
+                  <a:srgbClr val="000000"/>
+                </a:solidFill>
+                <a:effectLst/>
+                <a:latin typeface="verdana" panose="020B0604030504040204" pitchFamily="34" charset="0"/>
+              </a:rPr>
+              <a:t>设计原则</a:t>
+            </a:r>
+            <a:endParaRPr lang="en-US" altLang="zh-CN" i="0" dirty="0">
+              <a:solidFill>
+                <a:srgbClr val="000000"/>
+              </a:solidFill>
+              <a:effectLst/>
+              <a:latin typeface="verdana" panose="020B0604030504040204" pitchFamily="34" charset="0"/>
+            </a:endParaRPr>
+          </a:p>
+          <a:p>
+            <a:pPr lvl="1"/>
+            <a:endParaRPr lang="zh-CN" altLang="en-US" dirty="0"/>
+          </a:p>
+          <a:p>
+            <a:pPr lvl="0"/>
+            <a:endParaRPr lang="zh-CN" altLang="en-US" dirty="0"/>
+          </a:p>
+        </p:txBody>
+      </p:sp>
+    </p:spTree>
+    <p:custDataLst>
+      <p:tags r:id="rId1"/>
+    </p:custDataLst>
+    <p:extLst>
+      <p:ext uri="{BB962C8B-B14F-4D97-AF65-F5344CB8AC3E}">
+        <p14:creationId xmlns:p14="http://schemas.microsoft.com/office/powerpoint/2010/main" val="3869278704"/>
+      </p:ext>
+    </p:extLst>
+  </p:cSld>
+  <p:clrMapOvr>
+    <a:masterClrMapping/>
+  </p:clrMapOvr>
+  <p:transition/>
+  <p:timing>
+    <p:tnLst>
+      <p:par>
+        <p:cTn id="1" dur="indefinite" restart="never" nodeType="tmRoot">
+          <p:childTnLst>
+            <p:seq concurrent="1" nextAc="seek">
+              <p:cTn id="2" dur="indefinite" nodeType="mainSeq">
+                <p:childTnLst>
+                  <p:par>
+                    <p:cTn id="3" fill="hold">
+                      <p:stCondLst>
+                        <p:cond delay="indefinite"/>
+                      </p:stCondLst>
+                      <p:childTnLst>
+                        <p:par>
+                          <p:cTn id="4" fill="hold">
+                            <p:stCondLst>
+                              <p:cond delay="0"/>
+                            </p:stCondLst>
+                            <p:childTnLst>
+                              <p:par>
+                                <p:cTn id="5" presetID="1" presetClass="entr" presetSubtype="0" fill="hold" grpId="0" nodeType="clickEffect">
+                                  <p:stCondLst>
+                                    <p:cond delay="0"/>
+                                  </p:stCondLst>
+                                  <p:childTnLst>
+                                    <p:set>
+                                      <p:cBhvr>
+                                        <p:cTn id="6" dur="1" fill="hold">
+                                          <p:stCondLst>
+                                            <p:cond delay="0"/>
+                                          </p:stCondLst>
+                                        </p:cTn>
+                                        <p:tgtEl>
+                                          <p:spTgt spid="3">
+                                            <p:txEl>
+                                              <p:pRg st="0" end="0"/>
+                                            </p:txEl>
+                                          </p:spTgt>
+                                        </p:tgtEl>
+                                        <p:attrNameLst>
+                                          <p:attrName>style.visibility</p:attrName>
+                                        </p:attrNameLst>
+                                      </p:cBhvr>
+                                      <p:to>
+                                        <p:strVal val="visible"/>
+                                      </p:to>
+                                    </p:set>
+                                  </p:childTnLst>
+                                </p:cTn>
+                              </p:par>
+                            </p:childTnLst>
+                          </p:cTn>
+                        </p:par>
+                      </p:childTnLst>
+                    </p:cTn>
+                  </p:par>
+                </p:childTnLst>
+              </p:cTn>
+              <p:prevCondLst>
+                <p:cond evt="onPrev" delay="0">
+                  <p:tgtEl>
+                    <p:sldTgt/>
+                  </p:tgtEl>
+                </p:cond>
+              </p:prevCondLst>
+              <p:nextCondLst>
+                <p:cond evt="onNext" delay="0">
+                  <p:tgtEl>
+                    <p:sldTgt/>
+                  </p:tgtEl>
+                </p:cond>
+              </p:nextCondLst>
+            </p:seq>
+          </p:childTnLst>
+        </p:cTn>
+      </p:par>
+    </p:tnLst>
+    <p:bldLst>
+      <p:bldP spid="3" grpId="0" build="p"/>
+    </p:bldLst>
+  </p:timing>
+</p:sld>
+</file>
+
+<file path=ppt/slides/slide6.xml><?xml version="1.0" encoding="utf-8"?>
+<p:sld xmlns:a="http://schemas.openxmlformats.org/drawingml/2006/main" xmlns:r="http://schemas.openxmlformats.org/officeDocument/2006/relationships" xmlns:p="http://schemas.openxmlformats.org/presentationml/2006/main">
+  <p:cSld>
+    <p:spTree>
+      <p:nvGrpSpPr>
+        <p:cNvPr id="1" name=""/>
+        <p:cNvGrpSpPr/>
+        <p:nvPr/>
+      </p:nvGrpSpPr>
+      <p:grpSpPr>
+        <a:xfrm>
+          <a:off x="0" y="0"/>
+          <a:ext cx="0" cy="0"/>
+          <a:chOff x="0" y="0"/>
+          <a:chExt cx="0" cy="0"/>
+        </a:xfrm>
+      </p:grpSpPr>
+      <p:sp>
+        <p:nvSpPr>
+          <p:cNvPr id="2" name="标题 1"/>
+          <p:cNvSpPr>
+            <a:spLocks noGrp="1"/>
+          </p:cNvSpPr>
+          <p:nvPr>
+            <p:ph type="title"/>
+          </p:nvPr>
+        </p:nvSpPr>
+        <p:spPr/>
+        <p:txBody>
+          <a:bodyPr/>
+          <a:lstStyle/>
+          <a:p>
+            <a:r>
+              <a:rPr lang="zh-CN" altLang="en-US" dirty="0">
+                <a:sym typeface="+mn-ea"/>
+              </a:rPr>
               <a:t>准备课程的开发环境</a:t>
             </a:r>
             <a:endParaRPr dirty="0">
@@ -13377,7 +14387,7 @@
 </p:sld>
 </file>
 
-<file path=ppt/slides/slide5.xml><?xml version="1.0" encoding="utf-8"?>
+<file path=ppt/slides/slide7.xml><?xml version="1.0" encoding="utf-8"?>
 <p:sld xmlns:a="http://schemas.openxmlformats.org/drawingml/2006/main" xmlns:r="http://schemas.openxmlformats.org/officeDocument/2006/relationships" xmlns:p="http://schemas.openxmlformats.org/presentationml/2006/main">
   <p:cSld>
     <p:spTree>
@@ -13694,7 +14704,7 @@
 </p:sld>
 </file>
 
-<file path=ppt/slides/slide6.xml><?xml version="1.0" encoding="utf-8"?>
+<file path=ppt/slides/slide8.xml><?xml version="1.0" encoding="utf-8"?>
 <p:sld xmlns:a="http://schemas.openxmlformats.org/drawingml/2006/main" xmlns:r="http://schemas.openxmlformats.org/officeDocument/2006/relationships" xmlns:p="http://schemas.openxmlformats.org/presentationml/2006/main">
   <p:cSld>
     <p:spTree>
@@ -13754,7 +14764,7 @@
 </p:sld>
 </file>
 
-<file path=ppt/slides/slide7.xml><?xml version="1.0" encoding="utf-8"?>
+<file path=ppt/slides/slide9.xml><?xml version="1.0" encoding="utf-8"?>
 <p:sld xmlns:a="http://schemas.openxmlformats.org/drawingml/2006/main" xmlns:r="http://schemas.openxmlformats.org/officeDocument/2006/relationships" xmlns:p="http://schemas.openxmlformats.org/presentationml/2006/main">
   <p:cSld>
     <p:spTree>
@@ -14456,740 +15466,6 @@
 </p:sld>
 </file>
 
-<file path=ppt/slides/slide8.xml><?xml version="1.0" encoding="utf-8"?>
-<p:sld xmlns:a="http://schemas.openxmlformats.org/drawingml/2006/main" xmlns:r="http://schemas.openxmlformats.org/officeDocument/2006/relationships" xmlns:p="http://schemas.openxmlformats.org/presentationml/2006/main">
-  <p:cSld>
-    <p:spTree>
-      <p:nvGrpSpPr>
-        <p:cNvPr id="1" name=""/>
-        <p:cNvGrpSpPr/>
-        <p:nvPr/>
-      </p:nvGrpSpPr>
-      <p:grpSpPr>
-        <a:xfrm>
-          <a:off x="0" y="0"/>
-          <a:ext cx="0" cy="0"/>
-          <a:chOff x="0" y="0"/>
-          <a:chExt cx="0" cy="0"/>
-        </a:xfrm>
-      </p:grpSpPr>
-      <p:sp>
-        <p:nvSpPr>
-          <p:cNvPr id="2" name="标题 1"/>
-          <p:cNvSpPr>
-            <a:spLocks noGrp="1"/>
-          </p:cNvSpPr>
-          <p:nvPr>
-            <p:ph type="title"/>
-          </p:nvPr>
-        </p:nvSpPr>
-        <p:spPr/>
-        <p:txBody>
-          <a:bodyPr/>
-          <a:lstStyle/>
-          <a:p>
-            <a:r>
-              <a:rPr lang="zh-CN" altLang="en-US" dirty="0">
-                <a:sym typeface="+mn-ea"/>
-              </a:rPr>
-              <a:t>主问题：给出直接的解决方案</a:t>
-            </a:r>
-            <a:endParaRPr dirty="0">
-              <a:sym typeface="+mn-ea"/>
-            </a:endParaRPr>
-          </a:p>
-        </p:txBody>
-      </p:sp>
-    </p:spTree>
-    <p:custDataLst>
-      <p:tags r:id="rId1"/>
-    </p:custDataLst>
-    <p:extLst>
-      <p:ext uri="{BB962C8B-B14F-4D97-AF65-F5344CB8AC3E}">
-        <p14:creationId xmlns:p14="http://schemas.microsoft.com/office/powerpoint/2010/main" val="1465866367"/>
-      </p:ext>
-    </p:extLst>
-  </p:cSld>
-  <p:clrMapOvr>
-    <a:masterClrMapping/>
-  </p:clrMapOvr>
-</p:sld>
-</file>
-
-<file path=ppt/slides/slide9.xml><?xml version="1.0" encoding="utf-8"?>
-<p:sld xmlns:a="http://schemas.openxmlformats.org/drawingml/2006/main" xmlns:r="http://schemas.openxmlformats.org/officeDocument/2006/relationships" xmlns:p="http://schemas.openxmlformats.org/presentationml/2006/main">
-  <p:cSld>
-    <p:spTree>
-      <p:nvGrpSpPr>
-        <p:cNvPr id="1" name=""/>
-        <p:cNvGrpSpPr/>
-        <p:nvPr/>
-      </p:nvGrpSpPr>
-      <p:grpSpPr>
-        <a:xfrm>
-          <a:off x="0" y="0"/>
-          <a:ext cx="0" cy="0"/>
-          <a:chOff x="0" y="0"/>
-          <a:chExt cx="0" cy="0"/>
-        </a:xfrm>
-      </p:grpSpPr>
-      <p:sp>
-        <p:nvSpPr>
-          <p:cNvPr id="2" name="标题 1"/>
-          <p:cNvSpPr>
-            <a:spLocks noGrp="1"/>
-          </p:cNvSpPr>
-          <p:nvPr>
-            <p:ph type="title"/>
-          </p:nvPr>
-        </p:nvSpPr>
-        <p:spPr/>
-        <p:txBody>
-          <a:bodyPr/>
-          <a:lstStyle/>
-          <a:p>
-            <a:r>
-              <a:rPr lang="zh-CN" altLang="en-US" dirty="0">
-                <a:sym typeface="+mn-ea"/>
-              </a:rPr>
-              <a:t>主问题：给出直接的解决方案</a:t>
-            </a:r>
-            <a:endParaRPr lang="zh-CN" altLang="en-US" dirty="0"/>
-          </a:p>
-        </p:txBody>
-      </p:sp>
-      <p:sp>
-        <p:nvSpPr>
-          <p:cNvPr id="3" name="内容占位符 2"/>
-          <p:cNvSpPr>
-            <a:spLocks noGrp="1"/>
-          </p:cNvSpPr>
-          <p:nvPr>
-            <p:ph idx="1"/>
-          </p:nvPr>
-        </p:nvSpPr>
-        <p:spPr/>
-        <p:txBody>
-          <a:bodyPr/>
-          <a:lstStyle/>
-          <a:p>
-            <a:r>
-              <a:rPr lang="zh-CN" altLang="en-US" dirty="0">
-                <a:solidFill>
-                  <a:srgbClr val="000000"/>
-                </a:solidFill>
-                <a:latin typeface="verdana" panose="020B0604030504040204" pitchFamily="34" charset="0"/>
-              </a:rPr>
-              <a:t>请</a:t>
-            </a:r>
-            <a:r>
-              <a:rPr lang="zh-CN" altLang="en-US" dirty="0">
-                <a:sym typeface="+mn-ea"/>
-              </a:rPr>
-              <a:t>给出直接的解决方案</a:t>
-            </a:r>
-            <a:r>
-              <a:rPr lang="en-US" altLang="zh-CN" dirty="0">
-                <a:sym typeface="+mn-ea"/>
-              </a:rPr>
-              <a:t>?</a:t>
-            </a:r>
-            <a:endParaRPr lang="en-US" altLang="zh-CN" dirty="0">
-              <a:solidFill>
-                <a:srgbClr val="000000"/>
-              </a:solidFill>
-              <a:latin typeface="verdana" panose="020B0604030504040204" pitchFamily="34" charset="0"/>
-            </a:endParaRPr>
-          </a:p>
-          <a:p>
-            <a:pPr lvl="1"/>
-            <a:r>
-              <a:rPr lang="zh-CN" altLang="en-US" dirty="0">
-                <a:solidFill>
-                  <a:srgbClr val="000000"/>
-                </a:solidFill>
-                <a:latin typeface="verdana" panose="020B0604030504040204" pitchFamily="34" charset="0"/>
-              </a:rPr>
-              <a:t>概述解决方案？</a:t>
-            </a:r>
-            <a:endParaRPr lang="en-US" altLang="zh-CN" dirty="0">
-              <a:solidFill>
-                <a:srgbClr val="000000"/>
-              </a:solidFill>
-              <a:latin typeface="verdana" panose="020B0604030504040204" pitchFamily="34" charset="0"/>
-            </a:endParaRPr>
-          </a:p>
-          <a:p>
-            <a:pPr lvl="1"/>
-            <a:r>
-              <a:rPr lang="zh-CN" altLang="en-US" dirty="0">
-                <a:solidFill>
-                  <a:srgbClr val="000000"/>
-                </a:solidFill>
-                <a:latin typeface="verdana" panose="020B0604030504040204" pitchFamily="34" charset="0"/>
-              </a:rPr>
-              <a:t>给出</a:t>
-            </a:r>
-            <a:r>
-              <a:rPr lang="en-US" altLang="zh-CN" dirty="0">
-                <a:solidFill>
-                  <a:srgbClr val="000000"/>
-                </a:solidFill>
-                <a:latin typeface="verdana" panose="020B0604030504040204" pitchFamily="34" charset="0"/>
-              </a:rPr>
-              <a:t>UML</a:t>
-            </a:r>
-            <a:r>
-              <a:rPr lang="zh-CN" altLang="en-US" dirty="0">
-                <a:solidFill>
-                  <a:srgbClr val="000000"/>
-                </a:solidFill>
-                <a:latin typeface="verdana" panose="020B0604030504040204" pitchFamily="34" charset="0"/>
-              </a:rPr>
-              <a:t>？</a:t>
-            </a:r>
-            <a:endParaRPr lang="en-US" altLang="zh-CN" i="0" dirty="0">
-              <a:solidFill>
-                <a:srgbClr val="000000"/>
-              </a:solidFill>
-              <a:effectLst/>
-              <a:latin typeface="verdana" panose="020B0604030504040204" pitchFamily="34" charset="0"/>
-            </a:endParaRPr>
-          </a:p>
-          <a:p>
-            <a:pPr lvl="1"/>
-            <a:r>
-              <a:rPr lang="zh-CN" altLang="en-US" i="0" dirty="0">
-                <a:solidFill>
-                  <a:srgbClr val="000000"/>
-                </a:solidFill>
-                <a:effectLst/>
-                <a:latin typeface="verdana" panose="020B0604030504040204" pitchFamily="34" charset="0"/>
-              </a:rPr>
-              <a:t>给出代码</a:t>
-            </a:r>
-            <a:r>
-              <a:rPr lang="zh-CN" altLang="en-US" dirty="0">
-                <a:solidFill>
-                  <a:srgbClr val="000000"/>
-                </a:solidFill>
-                <a:latin typeface="verdana" panose="020B0604030504040204" pitchFamily="34" charset="0"/>
-              </a:rPr>
-              <a:t>？</a:t>
-            </a:r>
-            <a:endParaRPr lang="en-US" altLang="zh-CN" i="0" dirty="0">
-              <a:solidFill>
-                <a:srgbClr val="000000"/>
-              </a:solidFill>
-              <a:effectLst/>
-              <a:latin typeface="verdana" panose="020B0604030504040204" pitchFamily="34" charset="0"/>
-            </a:endParaRPr>
-          </a:p>
-          <a:p>
-            <a:pPr lvl="1"/>
-            <a:r>
-              <a:rPr lang="zh-CN" altLang="en-US" dirty="0">
-                <a:solidFill>
-                  <a:srgbClr val="000000"/>
-                </a:solidFill>
-                <a:latin typeface="verdana" panose="020B0604030504040204" pitchFamily="34" charset="0"/>
-              </a:rPr>
-              <a:t>结合</a:t>
-            </a:r>
-            <a:r>
-              <a:rPr lang="en-US" altLang="zh-CN" dirty="0">
-                <a:solidFill>
-                  <a:srgbClr val="000000"/>
-                </a:solidFill>
-                <a:latin typeface="verdana" panose="020B0604030504040204" pitchFamily="34" charset="0"/>
-              </a:rPr>
-              <a:t>UML</a:t>
-            </a:r>
-            <a:r>
-              <a:rPr lang="zh-CN" altLang="en-US" dirty="0">
-                <a:solidFill>
-                  <a:srgbClr val="000000"/>
-                </a:solidFill>
-                <a:latin typeface="verdana" panose="020B0604030504040204" pitchFamily="34" charset="0"/>
-              </a:rPr>
-              <a:t>图，描述如何具体地解决问题？</a:t>
-            </a:r>
-            <a:endParaRPr lang="en-US" altLang="zh-CN" i="0" dirty="0">
-              <a:solidFill>
-                <a:srgbClr val="000000"/>
-              </a:solidFill>
-              <a:effectLst/>
-              <a:latin typeface="verdana" panose="020B0604030504040204" pitchFamily="34" charset="0"/>
-            </a:endParaRPr>
-          </a:p>
-          <a:p>
-            <a:pPr lvl="0"/>
-            <a:endParaRPr lang="en-US" altLang="zh-CN" dirty="0">
-              <a:sym typeface="+mn-ea"/>
-            </a:endParaRPr>
-          </a:p>
-          <a:p>
-            <a:pPr lvl="0"/>
-            <a:r>
-              <a:rPr lang="zh-CN" altLang="en-US" dirty="0">
-                <a:sym typeface="+mn-ea"/>
-              </a:rPr>
-              <a:t>自学、互学、展学</a:t>
-            </a:r>
-            <a:endParaRPr lang="en-US" altLang="zh-CN" i="0" dirty="0">
-              <a:solidFill>
-                <a:srgbClr val="000000"/>
-              </a:solidFill>
-              <a:effectLst/>
-              <a:latin typeface="verdana" panose="020B0604030504040204" pitchFamily="34" charset="0"/>
-            </a:endParaRPr>
-          </a:p>
-          <a:p>
-            <a:pPr lvl="1"/>
-            <a:endParaRPr lang="zh-CN" altLang="en-US" dirty="0"/>
-          </a:p>
-          <a:p>
-            <a:pPr lvl="0"/>
-            <a:endParaRPr lang="zh-CN" altLang="en-US" dirty="0"/>
-          </a:p>
-        </p:txBody>
-      </p:sp>
-      <p:sp>
-        <p:nvSpPr>
-          <p:cNvPr id="4" name="文本框 3">
-            <a:extLst>
-              <a:ext uri="{FF2B5EF4-FFF2-40B4-BE49-F238E27FC236}">
-                <a16:creationId xmlns:a16="http://schemas.microsoft.com/office/drawing/2014/main" id="{D1878CE1-1677-4662-E069-1467CBEEDBE8}"/>
-              </a:ext>
-            </a:extLst>
-          </p:cNvPr>
-          <p:cNvSpPr txBox="1"/>
-          <p:nvPr/>
-        </p:nvSpPr>
-        <p:spPr>
-          <a:xfrm>
-            <a:off x="6585626" y="3429000"/>
-            <a:ext cx="3438762" cy="646331"/>
-          </a:xfrm>
-          <a:prstGeom prst="rect">
-            <a:avLst/>
-          </a:prstGeom>
-          <a:noFill/>
-        </p:spPr>
-        <p:txBody>
-          <a:bodyPr wrap="none" rtlCol="0">
-            <a:spAutoFit/>
-          </a:bodyPr>
-          <a:lstStyle/>
-          <a:p>
-            <a:r>
-              <a:rPr lang="zh-CN" altLang="en-US" b="0" i="0" dirty="0">
-                <a:solidFill>
-                  <a:srgbClr val="333333"/>
-                </a:solidFill>
-                <a:effectLst/>
-                <a:latin typeface="verdana" panose="020B0604030504040204" pitchFamily="34" charset="0"/>
-              </a:rPr>
-              <a:t>如何升级</a:t>
-            </a:r>
-            <a:r>
-              <a:rPr lang="en" altLang="zh-CN" b="0" i="0" dirty="0" err="1">
-                <a:solidFill>
-                  <a:srgbClr val="333333"/>
-                </a:solidFill>
-                <a:effectLst/>
-                <a:latin typeface="verdana" panose="020B0604030504040204" pitchFamily="34" charset="0"/>
-              </a:rPr>
-              <a:t>Three.js</a:t>
-            </a:r>
-            <a:r>
-              <a:rPr lang="zh-CN" altLang="en-US" b="0" i="0" dirty="0">
-                <a:solidFill>
-                  <a:srgbClr val="333333"/>
-                </a:solidFill>
-                <a:effectLst/>
-                <a:latin typeface="verdana" panose="020B0604030504040204" pitchFamily="34" charset="0"/>
-              </a:rPr>
-              <a:t>引擎的版本？</a:t>
-            </a:r>
-            <a:endParaRPr lang="en-US" altLang="zh-CN" b="0" i="0" dirty="0">
-              <a:solidFill>
-                <a:srgbClr val="333333"/>
-              </a:solidFill>
-              <a:effectLst/>
-              <a:latin typeface="verdana" panose="020B0604030504040204" pitchFamily="34" charset="0"/>
-            </a:endParaRPr>
-          </a:p>
-          <a:p>
-            <a:r>
-              <a:rPr lang="zh-CN" altLang="en-US" dirty="0">
-                <a:solidFill>
-                  <a:srgbClr val="333333"/>
-                </a:solidFill>
-                <a:latin typeface="verdana" panose="020B0604030504040204" pitchFamily="34" charset="0"/>
-              </a:rPr>
-              <a:t>如何</a:t>
-            </a:r>
-            <a:r>
-              <a:rPr lang="zh-CN" altLang="en-US" b="0" i="0" dirty="0">
-                <a:solidFill>
-                  <a:srgbClr val="333333"/>
-                </a:solidFill>
-                <a:effectLst/>
-                <a:latin typeface="verdana" panose="020B0604030504040204" pitchFamily="34" charset="0"/>
-              </a:rPr>
-              <a:t>替换为其它的渲染引擎？</a:t>
-            </a:r>
-            <a:endParaRPr lang="en-US" altLang="zh-CN" i="0" dirty="0">
-              <a:solidFill>
-                <a:srgbClr val="000000"/>
-              </a:solidFill>
-              <a:effectLst/>
-              <a:latin typeface="verdana" panose="020B0604030504040204" pitchFamily="34" charset="0"/>
-            </a:endParaRPr>
-          </a:p>
-        </p:txBody>
-      </p:sp>
-    </p:spTree>
-    <p:custDataLst>
-      <p:tags r:id="rId1"/>
-    </p:custDataLst>
-    <p:extLst>
-      <p:ext uri="{BB962C8B-B14F-4D97-AF65-F5344CB8AC3E}">
-        <p14:creationId xmlns:p14="http://schemas.microsoft.com/office/powerpoint/2010/main" val="3038102950"/>
-      </p:ext>
-    </p:extLst>
-  </p:cSld>
-  <p:clrMapOvr>
-    <a:masterClrMapping/>
-  </p:clrMapOvr>
-  <p:transition/>
-  <p:timing>
-    <p:tnLst>
-      <p:par>
-        <p:cTn id="1" dur="indefinite" restart="never" nodeType="tmRoot">
-          <p:childTnLst>
-            <p:seq concurrent="1" nextAc="seek">
-              <p:cTn id="2" dur="indefinite" nodeType="mainSeq">
-                <p:childTnLst>
-                  <p:par>
-                    <p:cTn id="3" fill="hold">
-                      <p:stCondLst>
-                        <p:cond delay="indefinite"/>
-                      </p:stCondLst>
-                      <p:childTnLst>
-                        <p:par>
-                          <p:cTn id="4" fill="hold">
-                            <p:stCondLst>
-                              <p:cond delay="0"/>
-                            </p:stCondLst>
-                            <p:childTnLst>
-                              <p:par>
-                                <p:cTn id="5" presetID="1" presetClass="entr" presetSubtype="0" fill="hold" nodeType="clickEffect">
-                                  <p:stCondLst>
-                                    <p:cond delay="0"/>
-                                  </p:stCondLst>
-                                  <p:childTnLst>
-                                    <p:set>
-                                      <p:cBhvr>
-                                        <p:cTn id="6" dur="1" fill="hold">
-                                          <p:stCondLst>
-                                            <p:cond delay="0"/>
-                                          </p:stCondLst>
-                                        </p:cTn>
-                                        <p:tgtEl>
-                                          <p:spTgt spid="3">
-                                            <p:txEl>
-                                              <p:pRg st="0" end="0"/>
-                                            </p:txEl>
-                                          </p:spTgt>
-                                        </p:tgtEl>
-                                        <p:attrNameLst>
-                                          <p:attrName>style.visibility</p:attrName>
-                                        </p:attrNameLst>
-                                      </p:cBhvr>
-                                      <p:to>
-                                        <p:strVal val="visible"/>
-                                      </p:to>
-                                    </p:set>
-                                  </p:childTnLst>
-                                </p:cTn>
-                              </p:par>
-                            </p:childTnLst>
-                          </p:cTn>
-                        </p:par>
-                      </p:childTnLst>
-                    </p:cTn>
-                  </p:par>
-                  <p:par>
-                    <p:cTn id="7" fill="hold">
-                      <p:stCondLst>
-                        <p:cond delay="indefinite"/>
-                      </p:stCondLst>
-                      <p:childTnLst>
-                        <p:par>
-                          <p:cTn id="8" fill="hold">
-                            <p:stCondLst>
-                              <p:cond delay="0"/>
-                            </p:stCondLst>
-                            <p:childTnLst>
-                              <p:par>
-                                <p:cTn id="9" presetID="1" presetClass="entr" presetSubtype="0" fill="hold" nodeType="clickEffect">
-                                  <p:stCondLst>
-                                    <p:cond delay="0"/>
-                                  </p:stCondLst>
-                                  <p:childTnLst>
-                                    <p:set>
-                                      <p:cBhvr>
-                                        <p:cTn id="10" dur="1" fill="hold">
-                                          <p:stCondLst>
-                                            <p:cond delay="0"/>
-                                          </p:stCondLst>
-                                        </p:cTn>
-                                        <p:tgtEl>
-                                          <p:spTgt spid="3">
-                                            <p:txEl>
-                                              <p:pRg st="1" end="1"/>
-                                            </p:txEl>
-                                          </p:spTgt>
-                                        </p:tgtEl>
-                                        <p:attrNameLst>
-                                          <p:attrName>style.visibility</p:attrName>
-                                        </p:attrNameLst>
-                                      </p:cBhvr>
-                                      <p:to>
-                                        <p:strVal val="visible"/>
-                                      </p:to>
-                                    </p:set>
-                                  </p:childTnLst>
-                                </p:cTn>
-                              </p:par>
-                            </p:childTnLst>
-                          </p:cTn>
-                        </p:par>
-                      </p:childTnLst>
-                    </p:cTn>
-                  </p:par>
-                  <p:par>
-                    <p:cTn id="11" fill="hold">
-                      <p:stCondLst>
-                        <p:cond delay="indefinite"/>
-                      </p:stCondLst>
-                      <p:childTnLst>
-                        <p:par>
-                          <p:cTn id="12" fill="hold">
-                            <p:stCondLst>
-                              <p:cond delay="0"/>
-                            </p:stCondLst>
-                            <p:childTnLst>
-                              <p:par>
-                                <p:cTn id="13" presetID="1" presetClass="entr" presetSubtype="0" fill="hold" nodeType="clickEffect">
-                                  <p:stCondLst>
-                                    <p:cond delay="0"/>
-                                  </p:stCondLst>
-                                  <p:childTnLst>
-                                    <p:set>
-                                      <p:cBhvr>
-                                        <p:cTn id="14" dur="1" fill="hold">
-                                          <p:stCondLst>
-                                            <p:cond delay="0"/>
-                                          </p:stCondLst>
-                                        </p:cTn>
-                                        <p:tgtEl>
-                                          <p:spTgt spid="3">
-                                            <p:txEl>
-                                              <p:pRg st="2" end="2"/>
-                                            </p:txEl>
-                                          </p:spTgt>
-                                        </p:tgtEl>
-                                        <p:attrNameLst>
-                                          <p:attrName>style.visibility</p:attrName>
-                                        </p:attrNameLst>
-                                      </p:cBhvr>
-                                      <p:to>
-                                        <p:strVal val="visible"/>
-                                      </p:to>
-                                    </p:set>
-                                  </p:childTnLst>
-                                </p:cTn>
-                              </p:par>
-                            </p:childTnLst>
-                          </p:cTn>
-                        </p:par>
-                      </p:childTnLst>
-                    </p:cTn>
-                  </p:par>
-                  <p:par>
-                    <p:cTn id="15" fill="hold">
-                      <p:stCondLst>
-                        <p:cond delay="indefinite"/>
-                      </p:stCondLst>
-                      <p:childTnLst>
-                        <p:par>
-                          <p:cTn id="16" fill="hold">
-                            <p:stCondLst>
-                              <p:cond delay="0"/>
-                            </p:stCondLst>
-                            <p:childTnLst>
-                              <p:par>
-                                <p:cTn id="17" presetID="1" presetClass="entr" presetSubtype="0" fill="hold" nodeType="clickEffect">
-                                  <p:stCondLst>
-                                    <p:cond delay="0"/>
-                                  </p:stCondLst>
-                                  <p:childTnLst>
-                                    <p:set>
-                                      <p:cBhvr>
-                                        <p:cTn id="18" dur="1" fill="hold">
-                                          <p:stCondLst>
-                                            <p:cond delay="0"/>
-                                          </p:stCondLst>
-                                        </p:cTn>
-                                        <p:tgtEl>
-                                          <p:spTgt spid="3">
-                                            <p:txEl>
-                                              <p:pRg st="3" end="3"/>
-                                            </p:txEl>
-                                          </p:spTgt>
-                                        </p:tgtEl>
-                                        <p:attrNameLst>
-                                          <p:attrName>style.visibility</p:attrName>
-                                        </p:attrNameLst>
-                                      </p:cBhvr>
-                                      <p:to>
-                                        <p:strVal val="visible"/>
-                                      </p:to>
-                                    </p:set>
-                                  </p:childTnLst>
-                                </p:cTn>
-                              </p:par>
-                            </p:childTnLst>
-                          </p:cTn>
-                        </p:par>
-                      </p:childTnLst>
-                    </p:cTn>
-                  </p:par>
-                  <p:par>
-                    <p:cTn id="19" fill="hold">
-                      <p:stCondLst>
-                        <p:cond delay="indefinite"/>
-                      </p:stCondLst>
-                      <p:childTnLst>
-                        <p:par>
-                          <p:cTn id="20" fill="hold">
-                            <p:stCondLst>
-                              <p:cond delay="0"/>
-                            </p:stCondLst>
-                            <p:childTnLst>
-                              <p:par>
-                                <p:cTn id="21" presetID="1" presetClass="entr" presetSubtype="0" fill="hold" nodeType="clickEffect">
-                                  <p:stCondLst>
-                                    <p:cond delay="0"/>
-                                  </p:stCondLst>
-                                  <p:childTnLst>
-                                    <p:set>
-                                      <p:cBhvr>
-                                        <p:cTn id="22" dur="1" fill="hold">
-                                          <p:stCondLst>
-                                            <p:cond delay="0"/>
-                                          </p:stCondLst>
-                                        </p:cTn>
-                                        <p:tgtEl>
-                                          <p:spTgt spid="3">
-                                            <p:txEl>
-                                              <p:pRg st="4" end="4"/>
-                                            </p:txEl>
-                                          </p:spTgt>
-                                        </p:tgtEl>
-                                        <p:attrNameLst>
-                                          <p:attrName>style.visibility</p:attrName>
-                                        </p:attrNameLst>
-                                      </p:cBhvr>
-                                      <p:to>
-                                        <p:strVal val="visible"/>
-                                      </p:to>
-                                    </p:set>
-                                  </p:childTnLst>
-                                </p:cTn>
-                              </p:par>
-                            </p:childTnLst>
-                          </p:cTn>
-                        </p:par>
-                      </p:childTnLst>
-                    </p:cTn>
-                  </p:par>
-                  <p:par>
-                    <p:cTn id="23" fill="hold">
-                      <p:stCondLst>
-                        <p:cond delay="indefinite"/>
-                      </p:stCondLst>
-                      <p:childTnLst>
-                        <p:par>
-                          <p:cTn id="24" fill="hold">
-                            <p:stCondLst>
-                              <p:cond delay="0"/>
-                            </p:stCondLst>
-                            <p:childTnLst>
-                              <p:par>
-                                <p:cTn id="25" presetID="1" presetClass="entr" presetSubtype="0" fill="hold" grpId="0" nodeType="clickEffect">
-                                  <p:stCondLst>
-                                    <p:cond delay="0"/>
-                                  </p:stCondLst>
-                                  <p:childTnLst>
-                                    <p:set>
-                                      <p:cBhvr>
-                                        <p:cTn id="26" dur="1" fill="hold">
-                                          <p:stCondLst>
-                                            <p:cond delay="0"/>
-                                          </p:stCondLst>
-                                        </p:cTn>
-                                        <p:tgtEl>
-                                          <p:spTgt spid="4"/>
-                                        </p:tgtEl>
-                                        <p:attrNameLst>
-                                          <p:attrName>style.visibility</p:attrName>
-                                        </p:attrNameLst>
-                                      </p:cBhvr>
-                                      <p:to>
-                                        <p:strVal val="visible"/>
-                                      </p:to>
-                                    </p:set>
-                                  </p:childTnLst>
-                                </p:cTn>
-                              </p:par>
-                            </p:childTnLst>
-                          </p:cTn>
-                        </p:par>
-                      </p:childTnLst>
-                    </p:cTn>
-                  </p:par>
-                </p:childTnLst>
-              </p:cTn>
-              <p:prevCondLst>
-                <p:cond evt="onPrev" delay="0">
-                  <p:tgtEl>
-                    <p:sldTgt/>
-                  </p:tgtEl>
-                </p:cond>
-              </p:prevCondLst>
-              <p:nextCondLst>
-                <p:cond evt="onNext" delay="0">
-                  <p:tgtEl>
-                    <p:sldTgt/>
-                  </p:tgtEl>
-                </p:cond>
-              </p:nextCondLst>
-            </p:seq>
-          </p:childTnLst>
-        </p:cTn>
-      </p:par>
-    </p:tnLst>
-    <p:bldLst>
-      <p:bldP spid="4" grpId="0"/>
-    </p:bldLst>
-  </p:timing>
-</p:sld>
-</file>
-
 <file path=ppt/tags/tag1.xml><?xml version="1.0" encoding="utf-8"?>
 <p:tagLst xmlns:a="http://schemas.openxmlformats.org/drawingml/2006/main" xmlns:r="http://schemas.openxmlformats.org/officeDocument/2006/relationships" xmlns:p="http://schemas.openxmlformats.org/presentationml/2006/main">
   <p:tag name="KSO_DOCER_TEMPLATE_OPEN_ONCE_MARK" val="1"/>
@@ -15220,9 +15496,6 @@
 
 <file path=ppt/tags/tag101.xml><?xml version="1.0" encoding="utf-8"?>
 <p:tagLst xmlns:a="http://schemas.openxmlformats.org/drawingml/2006/main" xmlns:r="http://schemas.openxmlformats.org/officeDocument/2006/relationships" xmlns:p="http://schemas.openxmlformats.org/presentationml/2006/main">
-  <p:tag name="KSO_WM_BEAUTIFY_FLAG" val="#wm#"/>
-  <p:tag name="KSO_WM_TEMPLATE_CATEGORY" val="custom"/>
-  <p:tag name="KSO_WM_TEMPLATE_INDEX" val="20187308"/>
   <p:tag name="KSO_WM_SPECIAL_SOURCE" val="bdnull"/>
 </p:tagLst>
 </file>
@@ -15246,6 +15519,24 @@
 </file>
 
 <file path=ppt/tags/tag104.xml><?xml version="1.0" encoding="utf-8"?>
+<p:tagLst xmlns:a="http://schemas.openxmlformats.org/drawingml/2006/main" xmlns:r="http://schemas.openxmlformats.org/officeDocument/2006/relationships" xmlns:p="http://schemas.openxmlformats.org/presentationml/2006/main">
+  <p:tag name="KSO_WM_BEAUTIFY_FLAG" val="#wm#"/>
+  <p:tag name="KSO_WM_TEMPLATE_CATEGORY" val="custom"/>
+  <p:tag name="KSO_WM_TEMPLATE_INDEX" val="20187308"/>
+  <p:tag name="KSO_WM_SPECIAL_SOURCE" val="bdnull"/>
+</p:tagLst>
+</file>
+
+<file path=ppt/tags/tag105.xml><?xml version="1.0" encoding="utf-8"?>
+<p:tagLst xmlns:a="http://schemas.openxmlformats.org/drawingml/2006/main" xmlns:r="http://schemas.openxmlformats.org/officeDocument/2006/relationships" xmlns:p="http://schemas.openxmlformats.org/presentationml/2006/main">
+  <p:tag name="KSO_WM_BEAUTIFY_FLAG" val="#wm#"/>
+  <p:tag name="KSO_WM_TEMPLATE_CATEGORY" val="custom"/>
+  <p:tag name="KSO_WM_TEMPLATE_INDEX" val="20187308"/>
+  <p:tag name="KSO_WM_SPECIAL_SOURCE" val="bdnull"/>
+</p:tagLst>
+</file>
+
+<file path=ppt/tags/tag106.xml><?xml version="1.0" encoding="utf-8"?>
 <p:tagLst xmlns:a="http://schemas.openxmlformats.org/drawingml/2006/main" xmlns:r="http://schemas.openxmlformats.org/officeDocument/2006/relationships" xmlns:p="http://schemas.openxmlformats.org/presentationml/2006/main">
   <p:tag name="KSO_WM_BEAUTIFY_FLAG" val="#wm#"/>
   <p:tag name="KSO_WM_TEMPLATE_CATEGORY" val="custom"/>
@@ -16306,6 +16597,9 @@
 
 <file path=ppt/tags/tag90.xml><?xml version="1.0" encoding="utf-8"?>
 <p:tagLst xmlns:a="http://schemas.openxmlformats.org/drawingml/2006/main" xmlns:r="http://schemas.openxmlformats.org/officeDocument/2006/relationships" xmlns:p="http://schemas.openxmlformats.org/presentationml/2006/main">
+  <p:tag name="KSO_WM_BEAUTIFY_FLAG" val="#wm#"/>
+  <p:tag name="KSO_WM_TEMPLATE_CATEGORY" val="custom"/>
+  <p:tag name="KSO_WM_TEMPLATE_INDEX" val="20187308"/>
   <p:tag name="KSO_WM_SPECIAL_SOURCE" val="bdnull"/>
 </p:tagLst>
 </file>
@@ -16330,9 +16624,6 @@
 
 <file path=ppt/tags/tag94.xml><?xml version="1.0" encoding="utf-8"?>
 <p:tagLst xmlns:a="http://schemas.openxmlformats.org/drawingml/2006/main" xmlns:r="http://schemas.openxmlformats.org/officeDocument/2006/relationships" xmlns:p="http://schemas.openxmlformats.org/presentationml/2006/main">
-  <p:tag name="KSO_WM_BEAUTIFY_FLAG" val="#wm#"/>
-  <p:tag name="KSO_WM_TEMPLATE_CATEGORY" val="custom"/>
-  <p:tag name="KSO_WM_TEMPLATE_INDEX" val="20187308"/>
   <p:tag name="KSO_WM_SPECIAL_SOURCE" val="bdnull"/>
 </p:tagLst>
 </file>

--- a/packages/依赖隔离模式/依赖隔离模式.pptx
+++ b/packages/依赖隔离模式/依赖隔离模式.pptx
@@ -242,7 +242,7 @@
                 <a:latin typeface="微软雅黑" panose="020B0503020204020204" charset="-122"/>
                 <a:ea typeface="微软雅黑" panose="020B0503020204020204" charset="-122"/>
               </a:rPr>
-              <a:t>2023/3/5</a:t>
+              <a:t>2023/3/6</a:t>
             </a:fld>
             <a:endParaRPr lang="zh-CN" altLang="en-US">
               <a:latin typeface="微软雅黑" panose="020B0503020204020204" charset="-122"/>
@@ -453,7 +453,7 @@
           <a:p>
             <a:fld id="{1AC49D05-6128-4D0D-A32A-06A5E73B386C}" type="datetimeFigureOut">
               <a:rPr lang="zh-CN" altLang="en-US" smtClean="0"/>
-              <a:t>2023/3/5</a:t>
+              <a:t>2023/3/6</a:t>
             </a:fld>
             <a:endParaRPr lang="zh-CN" altLang="en-US"/>
           </a:p>
@@ -845,7 +845,7 @@
           <a:p>
             <a:fld id="{760FBDFE-C587-4B4C-A407-44438C67B59E}" type="datetimeFigureOut">
               <a:rPr lang="zh-CN" altLang="en-US" smtClean="0"/>
-              <a:t>2023/3/5</a:t>
+              <a:t>2023/3/6</a:t>
             </a:fld>
             <a:endParaRPr lang="zh-CN" altLang="en-US"/>
           </a:p>
@@ -1203,7 +1203,7 @@
           <a:p>
             <a:fld id="{9EFD9D74-47D9-4702-A33C-335B63B48DBF}" type="datetimeFigureOut">
               <a:rPr lang="zh-CN" altLang="en-US" smtClean="0"/>
-              <a:t>2023/3/5</a:t>
+              <a:t>2023/3/6</a:t>
             </a:fld>
             <a:endParaRPr lang="zh-CN" altLang="en-US" dirty="0"/>
           </a:p>
@@ -1550,7 +1550,7 @@
           <a:p>
             <a:fld id="{760FBDFE-C587-4B4C-A407-44438C67B59E}" type="datetimeFigureOut">
               <a:rPr lang="zh-CN" altLang="en-US" smtClean="0"/>
-              <a:t>2023/3/5</a:t>
+              <a:t>2023/3/6</a:t>
             </a:fld>
             <a:endParaRPr lang="zh-CN" altLang="en-US"/>
           </a:p>
@@ -1723,7 +1723,7 @@
           <a:p>
             <a:fld id="{9EFD9D74-47D9-4702-A33C-335B63B48DBF}" type="datetimeFigureOut">
               <a:rPr lang="zh-CN" altLang="en-US" smtClean="0"/>
-              <a:t>2023/3/5</a:t>
+              <a:t>2023/3/6</a:t>
             </a:fld>
             <a:endParaRPr lang="zh-CN" altLang="en-US" dirty="0"/>
           </a:p>
@@ -2248,7 +2248,7 @@
           <a:p>
             <a:fld id="{760FBDFE-C587-4B4C-A407-44438C67B59E}" type="datetimeFigureOut">
               <a:rPr lang="zh-CN" altLang="en-US" smtClean="0"/>
-              <a:t>2023/3/5</a:t>
+              <a:t>2023/3/6</a:t>
             </a:fld>
             <a:endParaRPr lang="zh-CN" altLang="en-US"/>
           </a:p>
@@ -2996,7 +2996,7 @@
           <a:p>
             <a:fld id="{760FBDFE-C587-4B4C-A407-44438C67B59E}" type="datetimeFigureOut">
               <a:rPr lang="zh-CN" altLang="en-US" smtClean="0"/>
-              <a:t>2023/3/5</a:t>
+              <a:t>2023/3/6</a:t>
             </a:fld>
             <a:endParaRPr lang="zh-CN" altLang="en-US"/>
           </a:p>
@@ -3162,7 +3162,7 @@
           <a:p>
             <a:fld id="{760FBDFE-C587-4B4C-A407-44438C67B59E}" type="datetimeFigureOut">
               <a:rPr lang="zh-CN" altLang="en-US" smtClean="0"/>
-              <a:t>2023/3/5</a:t>
+              <a:t>2023/3/6</a:t>
             </a:fld>
             <a:endParaRPr lang="zh-CN" altLang="en-US"/>
           </a:p>
@@ -3276,7 +3276,7 @@
           <a:p>
             <a:fld id="{760FBDFE-C587-4B4C-A407-44438C67B59E}" type="datetimeFigureOut">
               <a:rPr lang="zh-CN" altLang="en-US" smtClean="0"/>
-              <a:t>2023/3/5</a:t>
+              <a:t>2023/3/6</a:t>
             </a:fld>
             <a:endParaRPr lang="zh-CN" altLang="en-US"/>
           </a:p>
@@ -3606,7 +3606,7 @@
           <a:p>
             <a:fld id="{9EFD9D74-47D9-4702-A33C-335B63B48DBF}" type="datetimeFigureOut">
               <a:rPr lang="zh-CN" altLang="en-US" smtClean="0"/>
-              <a:t>2023/3/5</a:t>
+              <a:t>2023/3/6</a:t>
             </a:fld>
             <a:endParaRPr lang="zh-CN" altLang="en-US" dirty="0"/>
           </a:p>
@@ -4119,7 +4119,7 @@
           <a:p>
             <a:fld id="{760FBDFE-C587-4B4C-A407-44438C67B59E}" type="datetimeFigureOut">
               <a:rPr lang="zh-CN" altLang="en-US" smtClean="0"/>
-              <a:t>2023/3/5</a:t>
+              <a:t>2023/3/6</a:t>
             </a:fld>
             <a:endParaRPr lang="zh-CN" altLang="en-US"/>
           </a:p>
@@ -4233,7 +4233,7 @@
           <a:p>
             <a:fld id="{760FBDFE-C587-4B4C-A407-44438C67B59E}" type="datetimeFigureOut">
               <a:rPr lang="zh-CN" altLang="en-US" smtClean="0"/>
-              <a:t>2023/3/5</a:t>
+              <a:t>2023/3/6</a:t>
             </a:fld>
             <a:endParaRPr lang="zh-CN" altLang="en-US"/>
           </a:p>
@@ -4547,7 +4547,7 @@
           <a:p>
             <a:fld id="{82F288E0-7875-42C4-84C8-98DBBD3BF4D2}" type="datetimeFigureOut">
               <a:rPr lang="zh-CN" altLang="en-US" smtClean="0"/>
-              <a:t>2023/3/5</a:t>
+              <a:t>2023/3/6</a:t>
             </a:fld>
             <a:endParaRPr lang="zh-CN" altLang="en-US"/>
           </a:p>
@@ -4954,7 +4954,7 @@
           <a:p>
             <a:fld id="{760FBDFE-C587-4B4C-A407-44438C67B59E}" type="datetimeFigureOut">
               <a:rPr lang="zh-CN" altLang="en-US" smtClean="0"/>
-              <a:t>2023/3/5</a:t>
+              <a:t>2023/3/6</a:t>
             </a:fld>
             <a:endParaRPr lang="zh-CN" altLang="en-US"/>
           </a:p>
@@ -5623,7 +5623,7 @@
           <a:p>
             <a:fld id="{9EFD9D74-47D9-4702-A33C-335B63B48DBF}" type="datetimeFigureOut">
               <a:rPr lang="zh-CN" altLang="en-US" smtClean="0"/>
-              <a:t>2023/3/5</a:t>
+              <a:t>2023/3/6</a:t>
             </a:fld>
             <a:endParaRPr lang="zh-CN" altLang="en-US" dirty="0"/>
           </a:p>
@@ -5771,7 +5771,7 @@
           <a:p>
             <a:fld id="{9EFD9D74-47D9-4702-A33C-335B63B48DBF}" type="datetimeFigureOut">
               <a:rPr lang="zh-CN" altLang="en-US" smtClean="0"/>
-              <a:t>2023/3/5</a:t>
+              <a:t>2023/3/6</a:t>
             </a:fld>
             <a:endParaRPr lang="zh-CN" altLang="en-US" dirty="0"/>
           </a:p>
@@ -13079,6 +13079,19 @@
               <a:buChar char="•"/>
             </a:pPr>
             <a:r>
+              <a:rPr lang="zh-CN" altLang="en-US"/>
+              <a:t>回顾相关内容</a:t>
+            </a:r>
+            <a:endParaRPr lang="en-US" altLang="zh-CN">
+              <a:sym typeface="+mn-ea"/>
+            </a:endParaRPr>
+          </a:p>
+          <a:p>
+            <a:pPr marL="285750" indent="-285750">
+              <a:buFont typeface="Arial" panose="020B0604020202020204" pitchFamily="34" charset="0"/>
+              <a:buChar char="•"/>
+            </a:pPr>
+            <a:r>
               <a:rPr lang="zh-CN" altLang="en-US" dirty="0">
                 <a:sym typeface="+mn-ea"/>
               </a:rPr>
@@ -13719,6 +13732,55 @@
                       </p:childTnLst>
                     </p:cTn>
                   </p:par>
+                  <p:par>
+                    <p:cTn id="39" fill="hold">
+                      <p:stCondLst>
+                        <p:cond delay="indefinite"/>
+                      </p:stCondLst>
+                      <p:childTnLst>
+                        <p:par>
+                          <p:cTn id="40" fill="hold">
+                            <p:stCondLst>
+                              <p:cond delay="0"/>
+                            </p:stCondLst>
+                            <p:childTnLst>
+                              <p:par>
+                                <p:cTn id="41" presetID="1" presetClass="entr" presetSubtype="0" fill="hold" grpId="0" nodeType="clickEffect">
+                                  <p:stCondLst>
+                                    <p:cond delay="0"/>
+                                  </p:stCondLst>
+                                  <p:childTnLst>
+                                    <p:set>
+                                      <p:cBhvr>
+                                        <p:cTn id="42" dur="1" fill="hold">
+                                          <p:stCondLst>
+                                            <p:cond delay="0"/>
+                                          </p:stCondLst>
+                                        </p:cTn>
+                                        <p:tgtEl>
+                                          <p:spTgt spid="2">
+                                            <p:txEl>
+                                              <p:pRg st="9" end="9"/>
+                                            </p:txEl>
+                                          </p:spTgt>
+                                        </p:tgtEl>
+                                        <p:attrNameLst>
+                                          <p:attrName>style.visibility</p:attrName>
+                                        </p:attrNameLst>
+                                      </p:cBhvr>
+                                      <p:to>
+                                        <p:strVal val="visible"/>
+                                      </p:to>
+                                    </p:set>
+                                  </p:childTnLst>
+                                </p:cTn>
+                              </p:par>
+                            </p:childTnLst>
+                          </p:cTn>
+                        </p:par>
+                      </p:childTnLst>
+                    </p:cTn>
+                  </p:par>
                 </p:childTnLst>
               </p:cTn>
               <p:prevCondLst>
@@ -13960,10 +14022,11 @@
           <a:bodyPr/>
           <a:lstStyle/>
           <a:p>
-            <a:pPr>
+            <a:pPr marL="285750" indent="-285750">
               <a:buFont typeface="Arial" panose="020B0604020202020204" pitchFamily="34" charset="0"/>
+              <a:buChar char="•"/>
             </a:pPr>
-            <a:endParaRPr lang="en-US" altLang="zh-CN"/>
+            <a:endParaRPr lang="en-US" altLang="zh-CN" dirty="0"/>
           </a:p>
         </p:txBody>
       </p:sp>
@@ -14198,17 +14261,7 @@
                 <a:effectLst/>
                 <a:latin typeface="verdana" panose="020B0604030504040204" pitchFamily="34" charset="0"/>
               </a:rPr>
-              <a:t>个</a:t>
-            </a:r>
-            <a:r>
-              <a:rPr lang="zh-CN" altLang="en-US" i="0">
-                <a:solidFill>
-                  <a:srgbClr val="000000"/>
-                </a:solidFill>
-                <a:effectLst/>
-                <a:latin typeface="verdana" panose="020B0604030504040204" pitchFamily="34" charset="0"/>
-              </a:rPr>
-              <a:t>设计原则</a:t>
+              <a:t>个设计原则</a:t>
             </a:r>
             <a:endParaRPr lang="en-US" altLang="zh-CN" i="0" dirty="0">
               <a:solidFill>
